--- a/lol.pptx
+++ b/lol.pptx
@@ -11,7 +11,9 @@
     <p:sldId id="263" r:id="rId5"/>
     <p:sldId id="261" r:id="rId6"/>
     <p:sldId id="262" r:id="rId7"/>
-    <p:sldId id="259" r:id="rId8"/>
+    <p:sldId id="264" r:id="rId8"/>
+    <p:sldId id="265" r:id="rId9"/>
+    <p:sldId id="259" r:id="rId10"/>
   </p:sldIdLst>
   <p:sldSz cx="12192000" cy="6858000"/>
   <p:notesSz cx="6858000" cy="9144000"/>
@@ -247,7 +249,7 @@
           <a:p>
             <a:fld id="{29FFB16B-D77E-477F-8F25-F896145BB352}" type="datetimeFigureOut">
               <a:rPr lang="ko-KR" altLang="en-US" smtClean="0"/>
-              <a:t>2019-09-30</a:t>
+              <a:t>2019-10-01</a:t>
             </a:fld>
             <a:endParaRPr lang="ko-KR" altLang="en-US"/>
           </a:p>
@@ -415,7 +417,7 @@
           <a:p>
             <a:fld id="{29FFB16B-D77E-477F-8F25-F896145BB352}" type="datetimeFigureOut">
               <a:rPr lang="ko-KR" altLang="en-US" smtClean="0"/>
-              <a:t>2019-09-30</a:t>
+              <a:t>2019-10-01</a:t>
             </a:fld>
             <a:endParaRPr lang="ko-KR" altLang="en-US"/>
           </a:p>
@@ -593,7 +595,7 @@
           <a:p>
             <a:fld id="{29FFB16B-D77E-477F-8F25-F896145BB352}" type="datetimeFigureOut">
               <a:rPr lang="ko-KR" altLang="en-US" smtClean="0"/>
-              <a:t>2019-09-30</a:t>
+              <a:t>2019-10-01</a:t>
             </a:fld>
             <a:endParaRPr lang="ko-KR" altLang="en-US"/>
           </a:p>
@@ -761,7 +763,7 @@
           <a:p>
             <a:fld id="{29FFB16B-D77E-477F-8F25-F896145BB352}" type="datetimeFigureOut">
               <a:rPr lang="ko-KR" altLang="en-US" smtClean="0"/>
-              <a:t>2019-09-30</a:t>
+              <a:t>2019-10-01</a:t>
             </a:fld>
             <a:endParaRPr lang="ko-KR" altLang="en-US"/>
           </a:p>
@@ -1006,7 +1008,7 @@
           <a:p>
             <a:fld id="{29FFB16B-D77E-477F-8F25-F896145BB352}" type="datetimeFigureOut">
               <a:rPr lang="ko-KR" altLang="en-US" smtClean="0"/>
-              <a:t>2019-09-30</a:t>
+              <a:t>2019-10-01</a:t>
             </a:fld>
             <a:endParaRPr lang="ko-KR" altLang="en-US"/>
           </a:p>
@@ -1235,7 +1237,7 @@
           <a:p>
             <a:fld id="{29FFB16B-D77E-477F-8F25-F896145BB352}" type="datetimeFigureOut">
               <a:rPr lang="ko-KR" altLang="en-US" smtClean="0"/>
-              <a:t>2019-09-30</a:t>
+              <a:t>2019-10-01</a:t>
             </a:fld>
             <a:endParaRPr lang="ko-KR" altLang="en-US"/>
           </a:p>
@@ -1599,7 +1601,7 @@
           <a:p>
             <a:fld id="{29FFB16B-D77E-477F-8F25-F896145BB352}" type="datetimeFigureOut">
               <a:rPr lang="ko-KR" altLang="en-US" smtClean="0"/>
-              <a:t>2019-09-30</a:t>
+              <a:t>2019-10-01</a:t>
             </a:fld>
             <a:endParaRPr lang="ko-KR" altLang="en-US"/>
           </a:p>
@@ -1716,7 +1718,7 @@
           <a:p>
             <a:fld id="{29FFB16B-D77E-477F-8F25-F896145BB352}" type="datetimeFigureOut">
               <a:rPr lang="ko-KR" altLang="en-US" smtClean="0"/>
-              <a:t>2019-09-30</a:t>
+              <a:t>2019-10-01</a:t>
             </a:fld>
             <a:endParaRPr lang="ko-KR" altLang="en-US"/>
           </a:p>
@@ -1811,7 +1813,7 @@
           <a:p>
             <a:fld id="{29FFB16B-D77E-477F-8F25-F896145BB352}" type="datetimeFigureOut">
               <a:rPr lang="ko-KR" altLang="en-US" smtClean="0"/>
-              <a:t>2019-09-30</a:t>
+              <a:t>2019-10-01</a:t>
             </a:fld>
             <a:endParaRPr lang="ko-KR" altLang="en-US"/>
           </a:p>
@@ -2086,7 +2088,7 @@
           <a:p>
             <a:fld id="{29FFB16B-D77E-477F-8F25-F896145BB352}" type="datetimeFigureOut">
               <a:rPr lang="ko-KR" altLang="en-US" smtClean="0"/>
-              <a:t>2019-09-30</a:t>
+              <a:t>2019-10-01</a:t>
             </a:fld>
             <a:endParaRPr lang="ko-KR" altLang="en-US"/>
           </a:p>
@@ -2338,7 +2340,7 @@
           <a:p>
             <a:fld id="{29FFB16B-D77E-477F-8F25-F896145BB352}" type="datetimeFigureOut">
               <a:rPr lang="ko-KR" altLang="en-US" smtClean="0"/>
-              <a:t>2019-09-30</a:t>
+              <a:t>2019-10-01</a:t>
             </a:fld>
             <a:endParaRPr lang="ko-KR" altLang="en-US"/>
           </a:p>
@@ -2549,7 +2551,7 @@
           <a:p>
             <a:fld id="{29FFB16B-D77E-477F-8F25-F896145BB352}" type="datetimeFigureOut">
               <a:rPr lang="ko-KR" altLang="en-US" smtClean="0"/>
-              <a:t>2019-09-30</a:t>
+              <a:t>2019-10-01</a:t>
             </a:fld>
             <a:endParaRPr lang="ko-KR" altLang="en-US"/>
           </a:p>
@@ -3255,7 +3257,7 @@
         </p:nvSpPr>
         <p:spPr>
           <a:xfrm>
-            <a:off x="4221461" y="2151527"/>
+            <a:off x="4091715" y="2157705"/>
             <a:ext cx="4316048" cy="3323987"/>
           </a:xfrm>
           <a:prstGeom prst="rect">
@@ -4142,8 +4144,8 @@
         </p:nvSpPr>
         <p:spPr>
           <a:xfrm>
-            <a:off x="1231341" y="820925"/>
-            <a:ext cx="3444878" cy="769441"/>
+            <a:off x="570088" y="4594656"/>
+            <a:ext cx="4004878" cy="735842"/>
           </a:xfrm>
           <a:prstGeom prst="rect">
             <a:avLst/>
@@ -4216,7 +4218,7 @@
         </p:blipFill>
         <p:spPr>
           <a:xfrm rot="3730821">
-            <a:off x="962884" y="1071551"/>
+            <a:off x="542754" y="4648831"/>
             <a:ext cx="402689" cy="464641"/>
           </a:xfrm>
           <a:prstGeom prst="rect">
@@ -5960,7 +5962,7 @@
         <p:spPr>
           <a:xfrm>
             <a:off x="1465579" y="1526607"/>
-            <a:ext cx="10216347" cy="5209118"/>
+            <a:ext cx="10216347" cy="1301703"/>
           </a:xfrm>
           <a:prstGeom prst="rect">
             <a:avLst/>
@@ -5982,6 +5984,16 @@
               <a:buChar char="-"/>
             </a:pPr>
             <a:r>
+              <a:rPr lang="en-US" altLang="ko-KR" sz="2800" dirty="0">
+                <a:solidFill>
+                  <a:schemeClr val="bg1"/>
+                </a:solidFill>
+                <a:latin typeface="서울한강체 L" panose="02020503020101020101" pitchFamily="18" charset="-127"/>
+                <a:ea typeface="서울한강체 L" panose="02020503020101020101" pitchFamily="18" charset="-127"/>
+              </a:rPr>
+              <a:t>API </a:t>
+            </a:r>
+            <a:r>
               <a:rPr lang="ko-KR" altLang="en-US" sz="2800" dirty="0">
                 <a:solidFill>
                   <a:schemeClr val="bg1"/>
@@ -5989,7 +6001,7 @@
                 <a:latin typeface="서울한강체 L" panose="02020503020101020101" pitchFamily="18" charset="-127"/>
                 <a:ea typeface="서울한강체 L" panose="02020503020101020101" pitchFamily="18" charset="-127"/>
               </a:rPr>
-              <a:t>여기는 화요일에 캡쳐 떠서 넣도록 </a:t>
+              <a:t>신청한 거 결과 나오면 캡쳐 떠서 </a:t>
             </a:r>
             <a:r>
               <a:rPr lang="ko-KR" altLang="en-US" sz="2800" dirty="0" err="1">
@@ -5999,7 +6011,7 @@
                 <a:latin typeface="서울한강체 L" panose="02020503020101020101" pitchFamily="18" charset="-127"/>
                 <a:ea typeface="서울한강체 L" panose="02020503020101020101" pitchFamily="18" charset="-127"/>
               </a:rPr>
-              <a:t>하겠습당</a:t>
+              <a:t>알려주십셔</a:t>
             </a:r>
             <a:endParaRPr lang="en-US" altLang="ko-KR" sz="2800" dirty="0">
               <a:solidFill>
@@ -6019,6 +6031,16 @@
               <a:buChar char="-"/>
             </a:pPr>
             <a:r>
+              <a:rPr lang="ko-KR" altLang="en-US" sz="2800" dirty="0">
+                <a:solidFill>
+                  <a:schemeClr val="bg1"/>
+                </a:solidFill>
+                <a:latin typeface="서울한강체 L" panose="02020503020101020101" pitchFamily="18" charset="-127"/>
+                <a:ea typeface="서울한강체 L" panose="02020503020101020101" pitchFamily="18" charset="-127"/>
+              </a:rPr>
+              <a:t>사용하는 언어 </a:t>
+            </a:r>
+            <a:r>
               <a:rPr lang="en-US" altLang="ko-KR" sz="2800" dirty="0">
                 <a:solidFill>
                   <a:schemeClr val="bg1"/>
@@ -6026,7 +6048,7 @@
                 <a:latin typeface="서울한강체 L" panose="02020503020101020101" pitchFamily="18" charset="-127"/>
                 <a:ea typeface="서울한강체 L" panose="02020503020101020101" pitchFamily="18" charset="-127"/>
               </a:rPr>
-              <a:t>API </a:t>
+              <a:t>python3, flask</a:t>
             </a:r>
             <a:r>
               <a:rPr lang="ko-KR" altLang="en-US" sz="2800" dirty="0">
@@ -6036,17 +6058,7 @@
                 <a:latin typeface="서울한강체 L" panose="02020503020101020101" pitchFamily="18" charset="-127"/>
                 <a:ea typeface="서울한강체 L" panose="02020503020101020101" pitchFamily="18" charset="-127"/>
               </a:rPr>
-              <a:t>신청한 거 결과 나오면 캡쳐 떠서 </a:t>
-            </a:r>
-            <a:r>
-              <a:rPr lang="ko-KR" altLang="en-US" sz="2800" dirty="0" err="1">
-                <a:solidFill>
-                  <a:schemeClr val="bg1"/>
-                </a:solidFill>
-                <a:latin typeface="서울한강체 L" panose="02020503020101020101" pitchFamily="18" charset="-127"/>
-                <a:ea typeface="서울한강체 L" panose="02020503020101020101" pitchFamily="18" charset="-127"/>
-              </a:rPr>
-              <a:t>알려주십셔</a:t>
+              <a:t>프레임워크를 활용한 웹 개발</a:t>
             </a:r>
             <a:endParaRPr lang="en-US" altLang="ko-KR" sz="2800" dirty="0">
               <a:solidFill>
@@ -6056,283 +6068,87 @@
               <a:ea typeface="서울한강체 L" panose="02020503020101020101" pitchFamily="18" charset="-127"/>
             </a:endParaRPr>
           </a:p>
-          <a:p>
-            <a:pPr marL="457200" indent="-457200">
-              <a:lnSpc>
-                <a:spcPct val="150000"/>
-              </a:lnSpc>
-              <a:buSzPct val="90000"/>
-              <a:buFontTx/>
-              <a:buChar char="-"/>
-            </a:pPr>
-            <a:r>
-              <a:rPr lang="ko-KR" altLang="en-US" sz="2800" dirty="0">
-                <a:solidFill>
-                  <a:schemeClr val="bg1"/>
-                </a:solidFill>
-                <a:latin typeface="서울한강체 L" panose="02020503020101020101" pitchFamily="18" charset="-127"/>
-                <a:ea typeface="서울한강체 L" panose="02020503020101020101" pitchFamily="18" charset="-127"/>
-              </a:rPr>
-              <a:t>사용하는 언어 및 소프트웨어는 </a:t>
-            </a:r>
-            <a:r>
-              <a:rPr lang="ko-KR" altLang="en-US" sz="2800" dirty="0" err="1">
-                <a:solidFill>
-                  <a:schemeClr val="bg1"/>
-                </a:solidFill>
-                <a:latin typeface="서울한강체 L" panose="02020503020101020101" pitchFamily="18" charset="-127"/>
-                <a:ea typeface="서울한강체 L" panose="02020503020101020101" pitchFamily="18" charset="-127"/>
-              </a:rPr>
-              <a:t>확정난게</a:t>
-            </a:r>
-            <a:r>
-              <a:rPr lang="ko-KR" altLang="en-US" sz="2800" dirty="0">
-                <a:solidFill>
-                  <a:schemeClr val="bg1"/>
-                </a:solidFill>
-                <a:latin typeface="서울한강체 L" panose="02020503020101020101" pitchFamily="18" charset="-127"/>
-                <a:ea typeface="서울한강체 L" panose="02020503020101020101" pitchFamily="18" charset="-127"/>
-              </a:rPr>
-              <a:t> </a:t>
-            </a:r>
-            <a:r>
-              <a:rPr lang="ko-KR" altLang="en-US" sz="2800" dirty="0" err="1">
-                <a:solidFill>
-                  <a:schemeClr val="bg1"/>
-                </a:solidFill>
-                <a:latin typeface="서울한강체 L" panose="02020503020101020101" pitchFamily="18" charset="-127"/>
-                <a:ea typeface="서울한강체 L" panose="02020503020101020101" pitchFamily="18" charset="-127"/>
-              </a:rPr>
-              <a:t>아니라서</a:t>
-            </a:r>
-            <a:r>
-              <a:rPr lang="en-US" altLang="ko-KR" sz="2800" dirty="0">
-                <a:solidFill>
-                  <a:schemeClr val="bg1"/>
-                </a:solidFill>
-                <a:latin typeface="서울한강체 L" panose="02020503020101020101" pitchFamily="18" charset="-127"/>
-                <a:ea typeface="서울한강체 L" panose="02020503020101020101" pitchFamily="18" charset="-127"/>
-              </a:rPr>
-              <a:t> </a:t>
-            </a:r>
-            <a:r>
-              <a:rPr lang="ko-KR" altLang="en-US" sz="2800" dirty="0">
-                <a:solidFill>
-                  <a:schemeClr val="bg1"/>
-                </a:solidFill>
-                <a:latin typeface="서울한강체 L" panose="02020503020101020101" pitchFamily="18" charset="-127"/>
-                <a:ea typeface="서울한강체 L" panose="02020503020101020101" pitchFamily="18" charset="-127"/>
-              </a:rPr>
-              <a:t>넣을 수가 </a:t>
-            </a:r>
-            <a:r>
-              <a:rPr lang="ko-KR" altLang="en-US" sz="2800" dirty="0" err="1">
-                <a:solidFill>
-                  <a:schemeClr val="bg1"/>
-                </a:solidFill>
-                <a:latin typeface="서울한강체 L" panose="02020503020101020101" pitchFamily="18" charset="-127"/>
-                <a:ea typeface="서울한강체 L" panose="02020503020101020101" pitchFamily="18" charset="-127"/>
-              </a:rPr>
-              <a:t>없넹</a:t>
-            </a:r>
-            <a:endParaRPr lang="en-US" altLang="ko-KR" sz="2800" dirty="0">
-              <a:solidFill>
-                <a:schemeClr val="bg1"/>
-              </a:solidFill>
-              <a:latin typeface="서울한강체 L" panose="02020503020101020101" pitchFamily="18" charset="-127"/>
-              <a:ea typeface="서울한강체 L" panose="02020503020101020101" pitchFamily="18" charset="-127"/>
-            </a:endParaRPr>
-          </a:p>
-          <a:p>
-            <a:pPr marL="457200" indent="-457200">
-              <a:lnSpc>
-                <a:spcPct val="150000"/>
-              </a:lnSpc>
-              <a:buSzPct val="90000"/>
-              <a:buFontTx/>
-              <a:buChar char="-"/>
-            </a:pPr>
-            <a:r>
-              <a:rPr lang="ko-KR" altLang="en-US" sz="2800" dirty="0">
-                <a:solidFill>
-                  <a:schemeClr val="bg1"/>
-                </a:solidFill>
-                <a:latin typeface="서울한강체 L" panose="02020503020101020101" pitchFamily="18" charset="-127"/>
-                <a:ea typeface="서울한강체 L" panose="02020503020101020101" pitchFamily="18" charset="-127"/>
-              </a:rPr>
-              <a:t>허허허 초안이니 너그럽게 이해 부탁드립니다</a:t>
-            </a:r>
-            <a:endParaRPr lang="en-US" altLang="ko-KR" sz="2800" dirty="0">
-              <a:solidFill>
-                <a:schemeClr val="bg1"/>
-              </a:solidFill>
-              <a:latin typeface="서울한강체 L" panose="02020503020101020101" pitchFamily="18" charset="-127"/>
-              <a:ea typeface="서울한강체 L" panose="02020503020101020101" pitchFamily="18" charset="-127"/>
-            </a:endParaRPr>
-          </a:p>
-          <a:p>
-            <a:pPr marL="457200" indent="-457200">
-              <a:lnSpc>
-                <a:spcPct val="150000"/>
-              </a:lnSpc>
-              <a:buSzPct val="90000"/>
-              <a:buFontTx/>
-              <a:buChar char="-"/>
-            </a:pPr>
-            <a:r>
-              <a:rPr lang="ko-KR" altLang="en-US" sz="2800" dirty="0">
-                <a:solidFill>
-                  <a:schemeClr val="bg1"/>
-                </a:solidFill>
-                <a:latin typeface="서울한강체 L" panose="02020503020101020101" pitchFamily="18" charset="-127"/>
-                <a:ea typeface="서울한강체 L" panose="02020503020101020101" pitchFamily="18" charset="-127"/>
-              </a:rPr>
-              <a:t>참고로 저는 글 거의 </a:t>
-            </a:r>
-            <a:r>
-              <a:rPr lang="ko-KR" altLang="en-US" sz="2800" dirty="0" err="1">
-                <a:solidFill>
-                  <a:schemeClr val="bg1"/>
-                </a:solidFill>
-                <a:latin typeface="서울한강체 L" panose="02020503020101020101" pitchFamily="18" charset="-127"/>
-                <a:ea typeface="서울한강체 L" panose="02020503020101020101" pitchFamily="18" charset="-127"/>
-              </a:rPr>
-              <a:t>안적습니다</a:t>
-            </a:r>
-            <a:endParaRPr lang="en-US" altLang="ko-KR" sz="2800" dirty="0">
-              <a:solidFill>
-                <a:schemeClr val="bg1"/>
-              </a:solidFill>
-              <a:latin typeface="서울한강체 L" panose="02020503020101020101" pitchFamily="18" charset="-127"/>
-              <a:ea typeface="서울한강체 L" panose="02020503020101020101" pitchFamily="18" charset="-127"/>
-            </a:endParaRPr>
-          </a:p>
-          <a:p>
-            <a:pPr marL="457200" indent="-457200">
-              <a:lnSpc>
-                <a:spcPct val="150000"/>
-              </a:lnSpc>
-              <a:buSzPct val="90000"/>
-              <a:buFontTx/>
-              <a:buChar char="-"/>
-            </a:pPr>
-            <a:r>
-              <a:rPr lang="ko-KR" altLang="en-US" sz="2800" dirty="0">
-                <a:solidFill>
-                  <a:schemeClr val="bg1"/>
-                </a:solidFill>
-                <a:latin typeface="서울한강체 L" panose="02020503020101020101" pitchFamily="18" charset="-127"/>
-                <a:ea typeface="서울한강체 L" panose="02020503020101020101" pitchFamily="18" charset="-127"/>
-              </a:rPr>
-              <a:t>심각하게 사진만 넣고 말로 할 예정이니 혹시 설명이 더 있길 바라는 부분은 </a:t>
-            </a:r>
-            <a:r>
-              <a:rPr lang="ko-KR" altLang="en-US" sz="2800" dirty="0" err="1">
-                <a:solidFill>
-                  <a:schemeClr val="bg1"/>
-                </a:solidFill>
-                <a:latin typeface="서울한강체 L" panose="02020503020101020101" pitchFamily="18" charset="-127"/>
-                <a:ea typeface="서울한강체 L" panose="02020503020101020101" pitchFamily="18" charset="-127"/>
-              </a:rPr>
-              <a:t>알려주심셔ㅜ</a:t>
-            </a:r>
-            <a:r>
-              <a:rPr lang="ko-KR" altLang="en-US" sz="2800" dirty="0">
-                <a:solidFill>
-                  <a:schemeClr val="bg1"/>
-                </a:solidFill>
-                <a:latin typeface="서울한강체 L" panose="02020503020101020101" pitchFamily="18" charset="-127"/>
-                <a:ea typeface="서울한강체 L" panose="02020503020101020101" pitchFamily="18" charset="-127"/>
-              </a:rPr>
-              <a:t> 언제나 열린 맘으로 피드백 받습니다</a:t>
-            </a:r>
-            <a:r>
-              <a:rPr lang="en-US" altLang="ko-KR" sz="2800" dirty="0">
-                <a:solidFill>
-                  <a:schemeClr val="bg1"/>
-                </a:solidFill>
-                <a:latin typeface="서울한강체 L" panose="02020503020101020101" pitchFamily="18" charset="-127"/>
-                <a:ea typeface="서울한강체 L" panose="02020503020101020101" pitchFamily="18" charset="-127"/>
-              </a:rPr>
-              <a:t>.</a:t>
-            </a:r>
-          </a:p>
-          <a:p>
-            <a:pPr marL="457200" indent="-457200">
-              <a:lnSpc>
-                <a:spcPct val="150000"/>
-              </a:lnSpc>
-              <a:buSzPct val="90000"/>
-              <a:buFontTx/>
-              <a:buChar char="-"/>
-            </a:pPr>
-            <a:r>
-              <a:rPr lang="ko-KR" altLang="en-US" sz="2800" dirty="0">
-                <a:solidFill>
-                  <a:schemeClr val="bg1"/>
-                </a:solidFill>
-                <a:latin typeface="서울한강체 L" panose="02020503020101020101" pitchFamily="18" charset="-127"/>
-                <a:ea typeface="서울한강체 L" panose="02020503020101020101" pitchFamily="18" charset="-127"/>
-              </a:rPr>
-              <a:t>글씨체 </a:t>
-            </a:r>
-            <a:r>
-              <a:rPr lang="ko-KR" altLang="en-US" sz="2800" dirty="0" err="1">
-                <a:solidFill>
-                  <a:schemeClr val="bg1"/>
-                </a:solidFill>
-                <a:latin typeface="서울한강체 L" panose="02020503020101020101" pitchFamily="18" charset="-127"/>
-                <a:ea typeface="서울한강체 L" panose="02020503020101020101" pitchFamily="18" charset="-127"/>
-              </a:rPr>
-              <a:t>깨질까봐</a:t>
-            </a:r>
-            <a:r>
-              <a:rPr lang="ko-KR" altLang="en-US" sz="2800" dirty="0">
-                <a:solidFill>
-                  <a:schemeClr val="bg1"/>
-                </a:solidFill>
-                <a:latin typeface="서울한강체 L" panose="02020503020101020101" pitchFamily="18" charset="-127"/>
-                <a:ea typeface="서울한강체 L" panose="02020503020101020101" pitchFamily="18" charset="-127"/>
-              </a:rPr>
-              <a:t> </a:t>
-            </a:r>
-            <a:r>
-              <a:rPr lang="en-US" altLang="ko-KR" sz="2800" dirty="0">
-                <a:solidFill>
-                  <a:schemeClr val="bg1"/>
-                </a:solidFill>
-                <a:latin typeface="서울한강체 L" panose="02020503020101020101" pitchFamily="18" charset="-127"/>
-                <a:ea typeface="서울한강체 L" panose="02020503020101020101" pitchFamily="18" charset="-127"/>
-              </a:rPr>
-              <a:t>pdf</a:t>
-            </a:r>
-            <a:r>
-              <a:rPr lang="ko-KR" altLang="en-US" sz="2800" dirty="0">
-                <a:solidFill>
-                  <a:schemeClr val="bg1"/>
-                </a:solidFill>
-                <a:latin typeface="서울한강체 L" panose="02020503020101020101" pitchFamily="18" charset="-127"/>
-                <a:ea typeface="서울한강체 L" panose="02020503020101020101" pitchFamily="18" charset="-127"/>
-              </a:rPr>
-              <a:t>로 </a:t>
-            </a:r>
-            <a:r>
-              <a:rPr lang="ko-KR" altLang="en-US" sz="2800" dirty="0" err="1">
-                <a:solidFill>
-                  <a:schemeClr val="bg1"/>
-                </a:solidFill>
-                <a:latin typeface="서울한강체 L" panose="02020503020101020101" pitchFamily="18" charset="-127"/>
-                <a:ea typeface="서울한강체 L" panose="02020503020101020101" pitchFamily="18" charset="-127"/>
-              </a:rPr>
-              <a:t>첨부합니당</a:t>
-            </a:r>
-            <a:endParaRPr lang="en-US" altLang="ko-KR" sz="2800" dirty="0">
-              <a:solidFill>
-                <a:schemeClr val="bg1"/>
-              </a:solidFill>
-              <a:latin typeface="서울한강체 L" panose="02020503020101020101" pitchFamily="18" charset="-127"/>
-              <a:ea typeface="서울한강체 L" panose="02020503020101020101" pitchFamily="18" charset="-127"/>
-            </a:endParaRPr>
+        </p:txBody>
+      </p:sp>
+      <p:pic>
+        <p:nvPicPr>
+          <p:cNvPr id="2" name="그림 1">
+            <a:extLst>
+              <a:ext uri="{FF2B5EF4-FFF2-40B4-BE49-F238E27FC236}">
+                <a16:creationId xmlns:a16="http://schemas.microsoft.com/office/drawing/2014/main" id="{53D2ABB7-A27C-41D0-AD13-809D24C3FE92}"/>
+              </a:ext>
+            </a:extLst>
+          </p:cNvPr>
+          <p:cNvPicPr>
+            <a:picLocks noChangeAspect="1"/>
+          </p:cNvPicPr>
+          <p:nvPr/>
+        </p:nvPicPr>
+        <p:blipFill>
+          <a:blip r:embed="rId5"/>
+          <a:stretch>
+            <a:fillRect/>
+          </a:stretch>
+        </p:blipFill>
+        <p:spPr>
+          <a:xfrm>
+            <a:off x="1038398" y="3429000"/>
+            <a:ext cx="9944962" cy="2690093"/>
+          </a:xfrm>
+          <a:prstGeom prst="rect">
+            <a:avLst/>
+          </a:prstGeom>
+        </p:spPr>
+      </p:pic>
+      <p:sp>
+        <p:nvSpPr>
+          <p:cNvPr id="3" name="직사각형 2">
+            <a:extLst>
+              <a:ext uri="{FF2B5EF4-FFF2-40B4-BE49-F238E27FC236}">
+                <a16:creationId xmlns:a16="http://schemas.microsoft.com/office/drawing/2014/main" id="{F952C541-A69F-435F-8429-45AF90039133}"/>
+              </a:ext>
+            </a:extLst>
+          </p:cNvPr>
+          <p:cNvSpPr/>
+          <p:nvPr/>
+        </p:nvSpPr>
+        <p:spPr>
+          <a:xfrm>
+            <a:off x="9082585" y="5384042"/>
+            <a:ext cx="1139588" cy="327546"/>
+          </a:xfrm>
+          <a:prstGeom prst="rect">
+            <a:avLst/>
+          </a:prstGeom>
+          <a:noFill/>
+          <a:ln w="28575">
+            <a:solidFill>
+              <a:srgbClr val="FF0000"/>
+            </a:solidFill>
+          </a:ln>
+        </p:spPr>
+        <p:style>
+          <a:lnRef idx="2">
+            <a:schemeClr val="accent1">
+              <a:shade val="50000"/>
+            </a:schemeClr>
+          </a:lnRef>
+          <a:fillRef idx="1">
+            <a:schemeClr val="accent1"/>
+          </a:fillRef>
+          <a:effectRef idx="0">
+            <a:schemeClr val="accent1"/>
+          </a:effectRef>
+          <a:fontRef idx="minor">
+            <a:schemeClr val="lt1"/>
+          </a:fontRef>
+        </p:style>
+        <p:txBody>
+          <a:bodyPr rtlCol="0" anchor="ctr"/>
+          <a:lstStyle/>
+          <a:p>
+            <a:pPr algn="ctr"/>
+            <a:endParaRPr lang="ko-KR" altLang="en-US"/>
           </a:p>
         </p:txBody>
       </p:sp>
@@ -6350,6 +6166,396 @@
 </file>
 
 <file path=ppt/slides/slide7.xml><?xml version="1.0" encoding="utf-8"?>
+<p:sld xmlns:a="http://schemas.openxmlformats.org/drawingml/2006/main" xmlns:r="http://schemas.openxmlformats.org/officeDocument/2006/relationships" xmlns:p="http://schemas.openxmlformats.org/presentationml/2006/main">
+  <p:cSld>
+    <p:spTree>
+      <p:nvGrpSpPr>
+        <p:cNvPr id="1" name=""/>
+        <p:cNvGrpSpPr/>
+        <p:nvPr/>
+      </p:nvGrpSpPr>
+      <p:grpSpPr>
+        <a:xfrm>
+          <a:off x="0" y="0"/>
+          <a:ext cx="0" cy="0"/>
+          <a:chOff x="0" y="0"/>
+          <a:chExt cx="0" cy="0"/>
+        </a:xfrm>
+      </p:grpSpPr>
+      <p:sp>
+        <p:nvSpPr>
+          <p:cNvPr id="3" name="내용 개체 틀 2">
+            <a:extLst>
+              <a:ext uri="{FF2B5EF4-FFF2-40B4-BE49-F238E27FC236}">
+                <a16:creationId xmlns:a16="http://schemas.microsoft.com/office/drawing/2014/main" id="{C6AB08B7-3708-444F-A774-697491778DF1}"/>
+              </a:ext>
+            </a:extLst>
+          </p:cNvPr>
+          <p:cNvSpPr>
+            <a:spLocks noGrp="1"/>
+          </p:cNvSpPr>
+          <p:nvPr>
+            <p:ph idx="1"/>
+          </p:nvPr>
+        </p:nvSpPr>
+        <p:spPr/>
+        <p:txBody>
+          <a:bodyPr/>
+          <a:lstStyle/>
+          <a:p>
+            <a:r>
+              <a:rPr lang="ko-KR" altLang="en-US" dirty="0"/>
+              <a:t>개발용 임시 </a:t>
+            </a:r>
+            <a:r>
+              <a:rPr lang="en-US" altLang="ko-KR" dirty="0"/>
+              <a:t>Key</a:t>
+            </a:r>
+            <a:r>
+              <a:rPr lang="ko-KR" altLang="en-US" dirty="0"/>
+              <a:t>로 테스트</a:t>
+            </a:r>
+            <a:endParaRPr lang="en-US" altLang="ko-KR" dirty="0"/>
+          </a:p>
+          <a:p>
+            <a:endParaRPr lang="en-US" altLang="ko-KR" dirty="0"/>
+          </a:p>
+          <a:p>
+            <a:r>
+              <a:rPr lang="en-US" altLang="ko-KR" dirty="0"/>
+              <a:t>Json</a:t>
+            </a:r>
+            <a:r>
+              <a:rPr lang="ko-KR" altLang="en-US" dirty="0"/>
+              <a:t>형태로 반환</a:t>
+            </a:r>
+            <a:endParaRPr lang="en-US" altLang="ko-KR" dirty="0"/>
+          </a:p>
+          <a:p>
+            <a:endParaRPr lang="en-US" altLang="ko-KR" dirty="0"/>
+          </a:p>
+          <a:p>
+            <a:endParaRPr lang="ko-KR" altLang="en-US" dirty="0"/>
+          </a:p>
+        </p:txBody>
+      </p:sp>
+      <p:pic>
+        <p:nvPicPr>
+          <p:cNvPr id="4" name="그림 3">
+            <a:extLst>
+              <a:ext uri="{FF2B5EF4-FFF2-40B4-BE49-F238E27FC236}">
+                <a16:creationId xmlns:a16="http://schemas.microsoft.com/office/drawing/2014/main" id="{0CFB3187-3003-49D3-BD45-E0548D012713}"/>
+              </a:ext>
+            </a:extLst>
+          </p:cNvPr>
+          <p:cNvPicPr>
+            <a:picLocks noChangeAspect="1"/>
+          </p:cNvPicPr>
+          <p:nvPr/>
+        </p:nvPicPr>
+        <p:blipFill>
+          <a:blip r:embed="rId2"/>
+          <a:stretch>
+            <a:fillRect/>
+          </a:stretch>
+        </p:blipFill>
+        <p:spPr>
+          <a:xfrm>
+            <a:off x="1125925" y="2468688"/>
+            <a:ext cx="8253175" cy="259102"/>
+          </a:xfrm>
+          <a:prstGeom prst="rect">
+            <a:avLst/>
+          </a:prstGeom>
+        </p:spPr>
+      </p:pic>
+      <p:pic>
+        <p:nvPicPr>
+          <p:cNvPr id="5" name="그림 4">
+            <a:extLst>
+              <a:ext uri="{FF2B5EF4-FFF2-40B4-BE49-F238E27FC236}">
+                <a16:creationId xmlns:a16="http://schemas.microsoft.com/office/drawing/2014/main" id="{51C3400E-FF78-464B-9946-7A7E0970E58A}"/>
+              </a:ext>
+            </a:extLst>
+          </p:cNvPr>
+          <p:cNvPicPr>
+            <a:picLocks noChangeAspect="1"/>
+          </p:cNvPicPr>
+          <p:nvPr/>
+        </p:nvPicPr>
+        <p:blipFill>
+          <a:blip r:embed="rId3"/>
+          <a:stretch>
+            <a:fillRect/>
+          </a:stretch>
+        </p:blipFill>
+        <p:spPr>
+          <a:xfrm>
+            <a:off x="1166917" y="3387196"/>
+            <a:ext cx="5418290" cy="1486029"/>
+          </a:xfrm>
+          <a:prstGeom prst="rect">
+            <a:avLst/>
+          </a:prstGeom>
+        </p:spPr>
+      </p:pic>
+      <p:sp>
+        <p:nvSpPr>
+          <p:cNvPr id="6" name="직사각형 5">
+            <a:extLst>
+              <a:ext uri="{FF2B5EF4-FFF2-40B4-BE49-F238E27FC236}">
+                <a16:creationId xmlns:a16="http://schemas.microsoft.com/office/drawing/2014/main" id="{4F4B9395-E5D6-430A-B0E3-92595D88AE08}"/>
+              </a:ext>
+            </a:extLst>
+          </p:cNvPr>
+          <p:cNvSpPr/>
+          <p:nvPr/>
+        </p:nvSpPr>
+        <p:spPr>
+          <a:xfrm>
+            <a:off x="1453487" y="4196687"/>
+            <a:ext cx="3166280" cy="156949"/>
+          </a:xfrm>
+          <a:prstGeom prst="rect">
+            <a:avLst/>
+          </a:prstGeom>
+          <a:noFill/>
+          <a:ln>
+            <a:solidFill>
+              <a:srgbClr val="FF0000"/>
+            </a:solidFill>
+          </a:ln>
+        </p:spPr>
+        <p:style>
+          <a:lnRef idx="2">
+            <a:schemeClr val="accent1">
+              <a:shade val="50000"/>
+            </a:schemeClr>
+          </a:lnRef>
+          <a:fillRef idx="1">
+            <a:schemeClr val="accent1"/>
+          </a:fillRef>
+          <a:effectRef idx="0">
+            <a:schemeClr val="accent1"/>
+          </a:effectRef>
+          <a:fontRef idx="minor">
+            <a:schemeClr val="lt1"/>
+          </a:fontRef>
+        </p:style>
+        <p:txBody>
+          <a:bodyPr rtlCol="0" anchor="ctr"/>
+          <a:lstStyle/>
+          <a:p>
+            <a:pPr algn="ctr"/>
+            <a:endParaRPr lang="ko-KR" altLang="en-US"/>
+          </a:p>
+        </p:txBody>
+      </p:sp>
+    </p:spTree>
+    <p:extLst>
+      <p:ext uri="{BB962C8B-B14F-4D97-AF65-F5344CB8AC3E}">
+        <p14:creationId xmlns:p14="http://schemas.microsoft.com/office/powerpoint/2010/main" val="2166311248"/>
+      </p:ext>
+    </p:extLst>
+  </p:cSld>
+  <p:clrMapOvr>
+    <a:masterClrMapping/>
+  </p:clrMapOvr>
+</p:sld>
+</file>
+
+<file path=ppt/slides/slide8.xml><?xml version="1.0" encoding="utf-8"?>
+<p:sld xmlns:a="http://schemas.openxmlformats.org/drawingml/2006/main" xmlns:r="http://schemas.openxmlformats.org/officeDocument/2006/relationships" xmlns:p="http://schemas.openxmlformats.org/presentationml/2006/main">
+  <p:cSld>
+    <p:spTree>
+      <p:nvGrpSpPr>
+        <p:cNvPr id="1" name=""/>
+        <p:cNvGrpSpPr/>
+        <p:nvPr/>
+      </p:nvGrpSpPr>
+      <p:grpSpPr>
+        <a:xfrm>
+          <a:off x="0" y="0"/>
+          <a:ext cx="0" cy="0"/>
+          <a:chOff x="0" y="0"/>
+          <a:chExt cx="0" cy="0"/>
+        </a:xfrm>
+      </p:grpSpPr>
+      <p:sp>
+        <p:nvSpPr>
+          <p:cNvPr id="3" name="내용 개체 틀 2">
+            <a:extLst>
+              <a:ext uri="{FF2B5EF4-FFF2-40B4-BE49-F238E27FC236}">
+                <a16:creationId xmlns:a16="http://schemas.microsoft.com/office/drawing/2014/main" id="{C6AB08B7-3708-444F-A774-697491778DF1}"/>
+              </a:ext>
+            </a:extLst>
+          </p:cNvPr>
+          <p:cNvSpPr>
+            <a:spLocks noGrp="1"/>
+          </p:cNvSpPr>
+          <p:nvPr>
+            <p:ph idx="1"/>
+          </p:nvPr>
+        </p:nvSpPr>
+        <p:spPr/>
+        <p:txBody>
+          <a:bodyPr/>
+          <a:lstStyle/>
+          <a:p>
+            <a:r>
+              <a:rPr lang="ko-KR" altLang="en-US" dirty="0"/>
+              <a:t>전적확인테스트</a:t>
+            </a:r>
+            <a:endParaRPr lang="en-US" altLang="ko-KR" dirty="0"/>
+          </a:p>
+          <a:p>
+            <a:endParaRPr lang="en-US" altLang="ko-KR" dirty="0"/>
+          </a:p>
+          <a:p>
+            <a:r>
+              <a:rPr lang="en-US" altLang="ko-KR" dirty="0"/>
+              <a:t>Json</a:t>
+            </a:r>
+            <a:r>
+              <a:rPr lang="ko-KR" altLang="en-US" dirty="0"/>
+              <a:t>형태로 반환</a:t>
+            </a:r>
+            <a:endParaRPr lang="en-US" altLang="ko-KR" dirty="0"/>
+          </a:p>
+          <a:p>
+            <a:endParaRPr lang="en-US" altLang="ko-KR" dirty="0"/>
+          </a:p>
+          <a:p>
+            <a:endParaRPr lang="ko-KR" altLang="en-US" dirty="0"/>
+          </a:p>
+        </p:txBody>
+      </p:sp>
+      <p:pic>
+        <p:nvPicPr>
+          <p:cNvPr id="2" name="그림 1">
+            <a:extLst>
+              <a:ext uri="{FF2B5EF4-FFF2-40B4-BE49-F238E27FC236}">
+                <a16:creationId xmlns:a16="http://schemas.microsoft.com/office/drawing/2014/main" id="{0BD85F41-2C16-4133-B2F9-06EFCBE59E4E}"/>
+              </a:ext>
+            </a:extLst>
+          </p:cNvPr>
+          <p:cNvPicPr>
+            <a:picLocks noChangeAspect="1"/>
+          </p:cNvPicPr>
+          <p:nvPr/>
+        </p:nvPicPr>
+        <p:blipFill>
+          <a:blip r:embed="rId2"/>
+          <a:stretch>
+            <a:fillRect/>
+          </a:stretch>
+        </p:blipFill>
+        <p:spPr>
+          <a:xfrm>
+            <a:off x="1224072" y="2470371"/>
+            <a:ext cx="10722269" cy="236240"/>
+          </a:xfrm>
+          <a:prstGeom prst="rect">
+            <a:avLst/>
+          </a:prstGeom>
+        </p:spPr>
+      </p:pic>
+      <p:pic>
+        <p:nvPicPr>
+          <p:cNvPr id="6" name="그림 5">
+            <a:extLst>
+              <a:ext uri="{FF2B5EF4-FFF2-40B4-BE49-F238E27FC236}">
+                <a16:creationId xmlns:a16="http://schemas.microsoft.com/office/drawing/2014/main" id="{F5018692-2453-44B0-A814-55B1E2928F78}"/>
+              </a:ext>
+            </a:extLst>
+          </p:cNvPr>
+          <p:cNvPicPr>
+            <a:picLocks noChangeAspect="1"/>
+          </p:cNvPicPr>
+          <p:nvPr/>
+        </p:nvPicPr>
+        <p:blipFill>
+          <a:blip r:embed="rId3"/>
+          <a:stretch>
+            <a:fillRect/>
+          </a:stretch>
+        </p:blipFill>
+        <p:spPr>
+          <a:xfrm>
+            <a:off x="1224072" y="3429000"/>
+            <a:ext cx="4054191" cy="2629128"/>
+          </a:xfrm>
+          <a:prstGeom prst="rect">
+            <a:avLst/>
+          </a:prstGeom>
+        </p:spPr>
+      </p:pic>
+      <p:sp>
+        <p:nvSpPr>
+          <p:cNvPr id="7" name="직사각형 6">
+            <a:extLst>
+              <a:ext uri="{FF2B5EF4-FFF2-40B4-BE49-F238E27FC236}">
+                <a16:creationId xmlns:a16="http://schemas.microsoft.com/office/drawing/2014/main" id="{A7A8738E-7D65-45C2-B64D-E079A1749C9A}"/>
+              </a:ext>
+            </a:extLst>
+          </p:cNvPr>
+          <p:cNvSpPr/>
+          <p:nvPr/>
+        </p:nvSpPr>
+        <p:spPr>
+          <a:xfrm>
+            <a:off x="5216118" y="2470371"/>
+            <a:ext cx="3279151" cy="236240"/>
+          </a:xfrm>
+          <a:prstGeom prst="rect">
+            <a:avLst/>
+          </a:prstGeom>
+          <a:noFill/>
+          <a:ln w="28575">
+            <a:solidFill>
+              <a:srgbClr val="FF0000"/>
+            </a:solidFill>
+          </a:ln>
+        </p:spPr>
+        <p:style>
+          <a:lnRef idx="2">
+            <a:schemeClr val="accent1">
+              <a:shade val="50000"/>
+            </a:schemeClr>
+          </a:lnRef>
+          <a:fillRef idx="1">
+            <a:schemeClr val="accent1"/>
+          </a:fillRef>
+          <a:effectRef idx="0">
+            <a:schemeClr val="accent1"/>
+          </a:effectRef>
+          <a:fontRef idx="minor">
+            <a:schemeClr val="lt1"/>
+          </a:fontRef>
+        </p:style>
+        <p:txBody>
+          <a:bodyPr rtlCol="0" anchor="ctr"/>
+          <a:lstStyle/>
+          <a:p>
+            <a:pPr algn="ctr"/>
+            <a:endParaRPr lang="ko-KR" altLang="en-US"/>
+          </a:p>
+        </p:txBody>
+      </p:sp>
+    </p:spTree>
+    <p:extLst>
+      <p:ext uri="{BB962C8B-B14F-4D97-AF65-F5344CB8AC3E}">
+        <p14:creationId xmlns:p14="http://schemas.microsoft.com/office/powerpoint/2010/main" val="1180561822"/>
+      </p:ext>
+    </p:extLst>
+  </p:cSld>
+  <p:clrMapOvr>
+    <a:masterClrMapping/>
+  </p:clrMapOvr>
+</p:sld>
+</file>
+
+<file path=ppt/slides/slide9.xml><?xml version="1.0" encoding="utf-8"?>
 <p:sld xmlns:a="http://schemas.openxmlformats.org/drawingml/2006/main" xmlns:r="http://schemas.openxmlformats.org/officeDocument/2006/relationships" xmlns:p="http://schemas.openxmlformats.org/presentationml/2006/main">
   <p:cSld>
     <p:bg>

--- a/lol.pptx
+++ b/lol.pptx
@@ -10,9 +10,9 @@
     <p:sldId id="258" r:id="rId4"/>
     <p:sldId id="263" r:id="rId5"/>
     <p:sldId id="261" r:id="rId6"/>
-    <p:sldId id="262" r:id="rId7"/>
-    <p:sldId id="264" r:id="rId8"/>
-    <p:sldId id="265" r:id="rId9"/>
+    <p:sldId id="266" r:id="rId7"/>
+    <p:sldId id="268" r:id="rId8"/>
+    <p:sldId id="270" r:id="rId9"/>
     <p:sldId id="259" r:id="rId10"/>
   </p:sldIdLst>
   <p:sldSz cx="12192000" cy="6858000"/>
@@ -2976,7 +2976,7 @@
         </p:nvSpPr>
         <p:spPr>
           <a:xfrm>
-            <a:off x="1682619" y="1954635"/>
+            <a:off x="1682619" y="1712045"/>
             <a:ext cx="9144000" cy="1542694"/>
           </a:xfrm>
         </p:spPr>
@@ -2991,9 +2991,21 @@
                     <a:srgbClr val="775A29"/>
                   </a:solidFill>
                 </a:ln>
-                <a:solidFill>
-                  <a:srgbClr val="C09C54"/>
-                </a:solidFill>
+                <a:gradFill flip="none" rotWithShape="1">
+                  <a:gsLst>
+                    <a:gs pos="0">
+                      <a:srgbClr val="DED19F"/>
+                    </a:gs>
+                    <a:gs pos="48000">
+                      <a:srgbClr val="CBAE73"/>
+                    </a:gs>
+                    <a:gs pos="100000">
+                      <a:srgbClr val="C09C54"/>
+                    </a:gs>
+                  </a:gsLst>
+                  <a:lin ang="16200000" scaled="1"/>
+                  <a:tileRect/>
+                </a:gradFill>
                 <a:effectLst/>
                 <a:latin typeface="Friz Quadrata" pitchFamily="50" charset="0"/>
                 <a:ea typeface="+mn-ea"/>
@@ -3008,9 +3020,21 @@
                     <a:srgbClr val="775A29"/>
                   </a:solidFill>
                 </a:ln>
-                <a:solidFill>
-                  <a:srgbClr val="C09C54"/>
-                </a:solidFill>
+                <a:gradFill flip="none" rotWithShape="1">
+                  <a:gsLst>
+                    <a:gs pos="0">
+                      <a:srgbClr val="DED19F"/>
+                    </a:gs>
+                    <a:gs pos="48000">
+                      <a:srgbClr val="CBAE73"/>
+                    </a:gs>
+                    <a:gs pos="100000">
+                      <a:srgbClr val="C09C54"/>
+                    </a:gs>
+                  </a:gsLst>
+                  <a:lin ang="16200000" scaled="1"/>
+                  <a:tileRect/>
+                </a:gradFill>
                 <a:effectLst/>
                 <a:latin typeface="Friz Quadrata" pitchFamily="50" charset="0"/>
                 <a:ea typeface="+mn-ea"/>
@@ -3024,9 +3048,21 @@
                     <a:srgbClr val="775A29"/>
                   </a:solidFill>
                 </a:ln>
-                <a:solidFill>
-                  <a:srgbClr val="C09C54"/>
-                </a:solidFill>
+                <a:gradFill flip="none" rotWithShape="1">
+                  <a:gsLst>
+                    <a:gs pos="0">
+                      <a:srgbClr val="DED19F"/>
+                    </a:gs>
+                    <a:gs pos="48000">
+                      <a:srgbClr val="CBAE73"/>
+                    </a:gs>
+                    <a:gs pos="100000">
+                      <a:srgbClr val="C09C54"/>
+                    </a:gs>
+                  </a:gsLst>
+                  <a:lin ang="16200000" scaled="1"/>
+                  <a:tileRect/>
+                </a:gradFill>
                 <a:effectLst/>
                 <a:latin typeface="Friz Quadrata" pitchFamily="50" charset="0"/>
                 <a:ea typeface="+mn-ea"/>
@@ -3040,9 +3076,21 @@
                   <a:srgbClr val="775A29"/>
                 </a:solidFill>
               </a:ln>
-              <a:solidFill>
-                <a:srgbClr val="C09C54"/>
-              </a:solidFill>
+              <a:gradFill flip="none" rotWithShape="1">
+                <a:gsLst>
+                  <a:gs pos="0">
+                    <a:srgbClr val="DED19F"/>
+                  </a:gs>
+                  <a:gs pos="48000">
+                    <a:srgbClr val="CBAE73"/>
+                  </a:gs>
+                  <a:gs pos="100000">
+                    <a:srgbClr val="C09C54"/>
+                  </a:gs>
+                </a:gsLst>
+                <a:lin ang="16200000" scaled="1"/>
+                <a:tileRect/>
+              </a:gradFill>
               <a:effectLst/>
               <a:latin typeface="Friz Quadrata" pitchFamily="50" charset="0"/>
               <a:ea typeface="+mn-ea"/>
@@ -3079,7 +3127,7 @@
         </p:blipFill>
         <p:spPr>
           <a:xfrm>
-            <a:off x="3037211" y="3429000"/>
+            <a:off x="3037211" y="3243560"/>
             <a:ext cx="6696075" cy="1076325"/>
           </a:xfrm>
           <a:prstGeom prst="rect">
@@ -3089,28 +3137,197 @@
       </p:pic>
       <p:pic>
         <p:nvPicPr>
-          <p:cNvPr id="6" name="그림 5"/>
+          <p:cNvPr id="5" name="Picture 2" descr="lol platinum에 대한 이미지 검색결과">
+            <a:extLst>
+              <a:ext uri="{FF2B5EF4-FFF2-40B4-BE49-F238E27FC236}">
+                <a16:creationId xmlns:a16="http://schemas.microsoft.com/office/drawing/2014/main" id="{102EE70B-3263-4ADF-A5A2-F79D93D6F06E}"/>
+              </a:ext>
+            </a:extLst>
+          </p:cNvPr>
           <p:cNvPicPr>
-            <a:picLocks noChangeAspect="1"/>
+            <a:picLocks noChangeAspect="1" noChangeArrowheads="1"/>
           </p:cNvPicPr>
           <p:nvPr/>
         </p:nvPicPr>
         <p:blipFill>
-          <a:blip r:embed="rId4"/>
+          <a:blip r:embed="rId4">
+            <a:extLst>
+              <a:ext uri="{28A0092B-C50C-407E-A947-70E740481C1C}">
+                <a14:useLocalDpi xmlns:a14="http://schemas.microsoft.com/office/drawing/2010/main" val="0"/>
+              </a:ext>
+            </a:extLst>
+          </a:blip>
+          <a:srcRect/>
           <a:stretch>
             <a:fillRect/>
           </a:stretch>
         </p:blipFill>
-        <p:spPr>
+        <p:spPr bwMode="auto">
           <a:xfrm>
-            <a:off x="8686844" y="4087229"/>
-            <a:ext cx="3391491" cy="2731926"/>
+            <a:off x="7419900" y="4495379"/>
+            <a:ext cx="945236" cy="945236"/>
           </a:xfrm>
           <a:prstGeom prst="rect">
             <a:avLst/>
           </a:prstGeom>
+          <a:noFill/>
+          <a:extLst>
+            <a:ext uri="{909E8E84-426E-40DD-AFC4-6F175D3DCCD1}">
+              <a14:hiddenFill xmlns:a14="http://schemas.microsoft.com/office/drawing/2010/main">
+                <a:solidFill>
+                  <a:srgbClr val="FFFFFF"/>
+                </a:solidFill>
+              </a14:hiddenFill>
+            </a:ext>
+          </a:extLst>
         </p:spPr>
       </p:pic>
+      <p:pic>
+        <p:nvPicPr>
+          <p:cNvPr id="5122" name="Picture 2" descr="lol bronze png에 대한 이미지 검색결과">
+            <a:extLst>
+              <a:ext uri="{FF2B5EF4-FFF2-40B4-BE49-F238E27FC236}">
+                <a16:creationId xmlns:a16="http://schemas.microsoft.com/office/drawing/2014/main" id="{F2968E9F-0CF9-4A7F-8D5E-03D593870D11}"/>
+              </a:ext>
+            </a:extLst>
+          </p:cNvPr>
+          <p:cNvPicPr>
+            <a:picLocks noChangeAspect="1" noChangeArrowheads="1"/>
+          </p:cNvPicPr>
+          <p:nvPr/>
+        </p:nvPicPr>
+        <p:blipFill>
+          <a:blip r:embed="rId5">
+            <a:extLst>
+              <a:ext uri="{28A0092B-C50C-407E-A947-70E740481C1C}">
+                <a14:useLocalDpi xmlns:a14="http://schemas.microsoft.com/office/drawing/2010/main" val="0"/>
+              </a:ext>
+            </a:extLst>
+          </a:blip>
+          <a:srcRect/>
+          <a:stretch>
+            <a:fillRect/>
+          </a:stretch>
+        </p:blipFill>
+        <p:spPr bwMode="auto">
+          <a:xfrm>
+            <a:off x="7419900" y="5440615"/>
+            <a:ext cx="945236" cy="945236"/>
+          </a:xfrm>
+          <a:prstGeom prst="rect">
+            <a:avLst/>
+          </a:prstGeom>
+          <a:noFill/>
+          <a:extLst>
+            <a:ext uri="{909E8E84-426E-40DD-AFC4-6F175D3DCCD1}">
+              <a14:hiddenFill xmlns:a14="http://schemas.microsoft.com/office/drawing/2010/main">
+                <a:solidFill>
+                  <a:srgbClr val="FFFFFF"/>
+                </a:solidFill>
+              </a14:hiddenFill>
+            </a:ext>
+          </a:extLst>
+        </p:spPr>
+      </p:pic>
+      <p:sp>
+        <p:nvSpPr>
+          <p:cNvPr id="7" name="TextBox 6">
+            <a:extLst>
+              <a:ext uri="{FF2B5EF4-FFF2-40B4-BE49-F238E27FC236}">
+                <a16:creationId xmlns:a16="http://schemas.microsoft.com/office/drawing/2014/main" id="{1E6FAE5A-ABEB-4252-BF1A-9225F957EB2C}"/>
+              </a:ext>
+            </a:extLst>
+          </p:cNvPr>
+          <p:cNvSpPr txBox="1"/>
+          <p:nvPr/>
+        </p:nvSpPr>
+        <p:spPr>
+          <a:xfrm>
+            <a:off x="8327812" y="4599850"/>
+            <a:ext cx="3391436" cy="1638910"/>
+          </a:xfrm>
+          <a:prstGeom prst="rect">
+            <a:avLst/>
+          </a:prstGeom>
+          <a:noFill/>
+        </p:spPr>
+        <p:txBody>
+          <a:bodyPr wrap="square" rtlCol="0">
+            <a:spAutoFit/>
+          </a:bodyPr>
+          <a:lstStyle/>
+          <a:p>
+            <a:pPr>
+              <a:lnSpc>
+                <a:spcPct val="150000"/>
+              </a:lnSpc>
+            </a:pPr>
+            <a:r>
+              <a:rPr lang="en-US" altLang="ko-KR" sz="2800" dirty="0">
+                <a:solidFill>
+                  <a:schemeClr val="bg1"/>
+                </a:solidFill>
+                <a:latin typeface="서울한강체 M" panose="02020503020101020101" pitchFamily="18" charset="-127"/>
+                <a:ea typeface="서울한강체 M" panose="02020503020101020101" pitchFamily="18" charset="-127"/>
+              </a:rPr>
+              <a:t>201401982  </a:t>
+            </a:r>
+            <a:r>
+              <a:rPr lang="ko-KR" altLang="en-US" sz="2800" dirty="0">
+                <a:solidFill>
+                  <a:schemeClr val="bg1"/>
+                </a:solidFill>
+                <a:latin typeface="서울한강체 M" panose="02020503020101020101" pitchFamily="18" charset="-127"/>
+                <a:ea typeface="서울한강체 M" panose="02020503020101020101" pitchFamily="18" charset="-127"/>
+              </a:rPr>
+              <a:t>이 진호</a:t>
+            </a:r>
+            <a:endParaRPr lang="en-US" altLang="ko-KR" sz="2800" dirty="0">
+              <a:solidFill>
+                <a:schemeClr val="bg1"/>
+              </a:solidFill>
+              <a:latin typeface="서울한강체 M" panose="02020503020101020101" pitchFamily="18" charset="-127"/>
+              <a:ea typeface="서울한강체 M" panose="02020503020101020101" pitchFamily="18" charset="-127"/>
+            </a:endParaRPr>
+          </a:p>
+          <a:p>
+            <a:endParaRPr lang="en-US" altLang="ko-KR" sz="2000" dirty="0">
+              <a:solidFill>
+                <a:schemeClr val="bg1"/>
+              </a:solidFill>
+              <a:latin typeface="서울한강체 M" panose="02020503020101020101" pitchFamily="18" charset="-127"/>
+              <a:ea typeface="서울한강체 M" panose="02020503020101020101" pitchFamily="18" charset="-127"/>
+            </a:endParaRPr>
+          </a:p>
+          <a:p>
+            <a:pPr>
+              <a:lnSpc>
+                <a:spcPct val="150000"/>
+              </a:lnSpc>
+            </a:pPr>
+            <a:r>
+              <a:rPr lang="en-US" altLang="ko-KR" sz="2800" dirty="0">
+                <a:solidFill>
+                  <a:schemeClr val="bg1"/>
+                </a:solidFill>
+                <a:latin typeface="서울한강체 M" panose="02020503020101020101" pitchFamily="18" charset="-127"/>
+                <a:ea typeface="서울한강체 M" panose="02020503020101020101" pitchFamily="18" charset="-127"/>
+              </a:rPr>
+              <a:t>201501178  </a:t>
+            </a:r>
+            <a:r>
+              <a:rPr lang="ko-KR" altLang="en-US" sz="2800" dirty="0">
+                <a:solidFill>
+                  <a:schemeClr val="bg1"/>
+                </a:solidFill>
+                <a:latin typeface="서울한강체 M" panose="02020503020101020101" pitchFamily="18" charset="-127"/>
+                <a:ea typeface="서울한강체 M" panose="02020503020101020101" pitchFamily="18" charset="-127"/>
+              </a:rPr>
+              <a:t>김 혜영</a:t>
+            </a:r>
+          </a:p>
+        </p:txBody>
+      </p:sp>
     </p:spTree>
     <p:extLst>
       <p:ext uri="{BB962C8B-B14F-4D97-AF65-F5344CB8AC3E}">
@@ -4144,8 +4361,8 @@
         </p:nvSpPr>
         <p:spPr>
           <a:xfrm>
-            <a:off x="570088" y="4594656"/>
-            <a:ext cx="4004878" cy="735842"/>
+            <a:off x="1277855" y="820800"/>
+            <a:ext cx="3396784" cy="769441"/>
           </a:xfrm>
           <a:prstGeom prst="rect">
             <a:avLst/>
@@ -4218,7 +4435,7 @@
         </p:blipFill>
         <p:spPr>
           <a:xfrm rot="3730821">
-            <a:off x="542754" y="4648831"/>
+            <a:off x="964800" y="1072800"/>
             <a:ext cx="402689" cy="464641"/>
           </a:xfrm>
           <a:prstGeom prst="rect">
@@ -5865,8 +6082,8 @@
         </p:nvSpPr>
         <p:spPr>
           <a:xfrm>
-            <a:off x="679252" y="820925"/>
-            <a:ext cx="3472869" cy="769441"/>
+            <a:off x="1231200" y="820925"/>
+            <a:ext cx="3444878" cy="769441"/>
           </a:xfrm>
           <a:prstGeom prst="rect">
             <a:avLst/>
@@ -5879,14 +6096,14 @@
           </a:bodyPr>
           <a:lstStyle/>
           <a:p>
-            <a:pPr>
+            <a:pPr algn="ctr">
               <a:lnSpc>
                 <a:spcPct val="150000"/>
               </a:lnSpc>
               <a:buSzPct val="90000"/>
             </a:pPr>
             <a:r>
-              <a:rPr lang="ko-KR" altLang="en-US" sz="3200">
+              <a:rPr lang="ko-KR" altLang="en-US" sz="3200" dirty="0">
                 <a:solidFill>
                   <a:srgbClr val="ECE4C6"/>
                 </a:solidFill>
@@ -5939,7 +6156,7 @@
         </p:blipFill>
         <p:spPr>
           <a:xfrm rot="3730821">
-            <a:off x="410796" y="1071551"/>
+            <a:off x="964800" y="1071551"/>
             <a:ext cx="402689" cy="464641"/>
           </a:xfrm>
           <a:prstGeom prst="rect">
@@ -5947,135 +6164,12 @@
           </a:prstGeom>
         </p:spPr>
       </p:pic>
-      <p:sp>
-        <p:nvSpPr>
-          <p:cNvPr id="9" name="TextBox 8">
+      <p:pic>
+        <p:nvPicPr>
+          <p:cNvPr id="13" name="그림 12">
             <a:extLst>
               <a:ext uri="{FF2B5EF4-FFF2-40B4-BE49-F238E27FC236}">
-                <a16:creationId xmlns:a16="http://schemas.microsoft.com/office/drawing/2014/main" id="{09B5DE72-4DC0-4C0A-AB68-54EE03E8FECB}"/>
-              </a:ext>
-            </a:extLst>
-          </p:cNvPr>
-          <p:cNvSpPr txBox="1"/>
-          <p:nvPr/>
-        </p:nvSpPr>
-        <p:spPr>
-          <a:xfrm>
-            <a:off x="1465579" y="1526607"/>
-            <a:ext cx="10216347" cy="1301703"/>
-          </a:xfrm>
-          <a:prstGeom prst="rect">
-            <a:avLst/>
-          </a:prstGeom>
-          <a:noFill/>
-        </p:spPr>
-        <p:txBody>
-          <a:bodyPr wrap="square" rtlCol="0">
-            <a:spAutoFit/>
-          </a:bodyPr>
-          <a:lstStyle/>
-          <a:p>
-            <a:pPr marL="457200" indent="-457200">
-              <a:lnSpc>
-                <a:spcPct val="150000"/>
-              </a:lnSpc>
-              <a:buSzPct val="90000"/>
-              <a:buFontTx/>
-              <a:buChar char="-"/>
-            </a:pPr>
-            <a:r>
-              <a:rPr lang="en-US" altLang="ko-KR" sz="2800" dirty="0">
-                <a:solidFill>
-                  <a:schemeClr val="bg1"/>
-                </a:solidFill>
-                <a:latin typeface="서울한강체 L" panose="02020503020101020101" pitchFamily="18" charset="-127"/>
-                <a:ea typeface="서울한강체 L" panose="02020503020101020101" pitchFamily="18" charset="-127"/>
-              </a:rPr>
-              <a:t>API </a:t>
-            </a:r>
-            <a:r>
-              <a:rPr lang="ko-KR" altLang="en-US" sz="2800" dirty="0">
-                <a:solidFill>
-                  <a:schemeClr val="bg1"/>
-                </a:solidFill>
-                <a:latin typeface="서울한강체 L" panose="02020503020101020101" pitchFamily="18" charset="-127"/>
-                <a:ea typeface="서울한강체 L" panose="02020503020101020101" pitchFamily="18" charset="-127"/>
-              </a:rPr>
-              <a:t>신청한 거 결과 나오면 캡쳐 떠서 </a:t>
-            </a:r>
-            <a:r>
-              <a:rPr lang="ko-KR" altLang="en-US" sz="2800" dirty="0" err="1">
-                <a:solidFill>
-                  <a:schemeClr val="bg1"/>
-                </a:solidFill>
-                <a:latin typeface="서울한강체 L" panose="02020503020101020101" pitchFamily="18" charset="-127"/>
-                <a:ea typeface="서울한강체 L" panose="02020503020101020101" pitchFamily="18" charset="-127"/>
-              </a:rPr>
-              <a:t>알려주십셔</a:t>
-            </a:r>
-            <a:endParaRPr lang="en-US" altLang="ko-KR" sz="2800" dirty="0">
-              <a:solidFill>
-                <a:schemeClr val="bg1"/>
-              </a:solidFill>
-              <a:latin typeface="서울한강체 L" panose="02020503020101020101" pitchFamily="18" charset="-127"/>
-              <a:ea typeface="서울한강체 L" panose="02020503020101020101" pitchFamily="18" charset="-127"/>
-            </a:endParaRPr>
-          </a:p>
-          <a:p>
-            <a:pPr marL="457200" indent="-457200">
-              <a:lnSpc>
-                <a:spcPct val="150000"/>
-              </a:lnSpc>
-              <a:buSzPct val="90000"/>
-              <a:buFontTx/>
-              <a:buChar char="-"/>
-            </a:pPr>
-            <a:r>
-              <a:rPr lang="ko-KR" altLang="en-US" sz="2800" dirty="0">
-                <a:solidFill>
-                  <a:schemeClr val="bg1"/>
-                </a:solidFill>
-                <a:latin typeface="서울한강체 L" panose="02020503020101020101" pitchFamily="18" charset="-127"/>
-                <a:ea typeface="서울한강체 L" panose="02020503020101020101" pitchFamily="18" charset="-127"/>
-              </a:rPr>
-              <a:t>사용하는 언어 </a:t>
-            </a:r>
-            <a:r>
-              <a:rPr lang="en-US" altLang="ko-KR" sz="2800" dirty="0">
-                <a:solidFill>
-                  <a:schemeClr val="bg1"/>
-                </a:solidFill>
-                <a:latin typeface="서울한강체 L" panose="02020503020101020101" pitchFamily="18" charset="-127"/>
-                <a:ea typeface="서울한강체 L" panose="02020503020101020101" pitchFamily="18" charset="-127"/>
-              </a:rPr>
-              <a:t>python3, flask</a:t>
-            </a:r>
-            <a:r>
-              <a:rPr lang="ko-KR" altLang="en-US" sz="2800" dirty="0">
-                <a:solidFill>
-                  <a:schemeClr val="bg1"/>
-                </a:solidFill>
-                <a:latin typeface="서울한강체 L" panose="02020503020101020101" pitchFamily="18" charset="-127"/>
-                <a:ea typeface="서울한강체 L" panose="02020503020101020101" pitchFamily="18" charset="-127"/>
-              </a:rPr>
-              <a:t>프레임워크를 활용한 웹 개발</a:t>
-            </a:r>
-            <a:endParaRPr lang="en-US" altLang="ko-KR" sz="2800" dirty="0">
-              <a:solidFill>
-                <a:schemeClr val="bg1"/>
-              </a:solidFill>
-              <a:latin typeface="서울한강체 L" panose="02020503020101020101" pitchFamily="18" charset="-127"/>
-              <a:ea typeface="서울한강체 L" panose="02020503020101020101" pitchFamily="18" charset="-127"/>
-            </a:endParaRPr>
-          </a:p>
-        </p:txBody>
-      </p:sp>
-      <p:pic>
-        <p:nvPicPr>
-          <p:cNvPr id="2" name="그림 1">
-            <a:extLst>
-              <a:ext uri="{FF2B5EF4-FFF2-40B4-BE49-F238E27FC236}">
-                <a16:creationId xmlns:a16="http://schemas.microsoft.com/office/drawing/2014/main" id="{53D2ABB7-A27C-41D0-AD13-809D24C3FE92}"/>
+                <a16:creationId xmlns:a16="http://schemas.microsoft.com/office/drawing/2014/main" id="{AA11CC5A-C6F8-4351-9F7A-801B99A09FBC}"/>
               </a:ext>
             </a:extLst>
           </p:cNvPr>
@@ -6092,7 +6186,7 @@
         </p:blipFill>
         <p:spPr>
           <a:xfrm>
-            <a:off x="1038398" y="3429000"/>
+            <a:off x="1123519" y="3683132"/>
             <a:ext cx="9944962" cy="2690093"/>
           </a:xfrm>
           <a:prstGeom prst="rect">
@@ -6100,12 +6194,109 @@
           </a:prstGeom>
         </p:spPr>
       </p:pic>
-      <p:sp>
-        <p:nvSpPr>
-          <p:cNvPr id="3" name="직사각형 2">
+      <p:pic>
+        <p:nvPicPr>
+          <p:cNvPr id="1026" name="Picture 2" descr="python png에 대한 이미지 검색결과">
             <a:extLst>
               <a:ext uri="{FF2B5EF4-FFF2-40B4-BE49-F238E27FC236}">
-                <a16:creationId xmlns:a16="http://schemas.microsoft.com/office/drawing/2014/main" id="{F952C541-A69F-435F-8429-45AF90039133}"/>
+                <a16:creationId xmlns:a16="http://schemas.microsoft.com/office/drawing/2014/main" id="{9504C6EA-149F-445A-AE2C-34056CB8FE3C}"/>
+              </a:ext>
+            </a:extLst>
+          </p:cNvPr>
+          <p:cNvPicPr>
+            <a:picLocks noChangeAspect="1" noChangeArrowheads="1"/>
+          </p:cNvPicPr>
+          <p:nvPr/>
+        </p:nvPicPr>
+        <p:blipFill>
+          <a:blip r:embed="rId6" cstate="print">
+            <a:extLst>
+              <a:ext uri="{28A0092B-C50C-407E-A947-70E740481C1C}">
+                <a14:useLocalDpi xmlns:a14="http://schemas.microsoft.com/office/drawing/2010/main" val="0"/>
+              </a:ext>
+            </a:extLst>
+          </a:blip>
+          <a:srcRect/>
+          <a:stretch>
+            <a:fillRect/>
+          </a:stretch>
+        </p:blipFill>
+        <p:spPr bwMode="auto">
+          <a:xfrm>
+            <a:off x="3577800" y="1856897"/>
+            <a:ext cx="1554035" cy="1547989"/>
+          </a:xfrm>
+          <a:prstGeom prst="rect">
+            <a:avLst/>
+          </a:prstGeom>
+          <a:noFill/>
+          <a:extLst>
+            <a:ext uri="{909E8E84-426E-40DD-AFC4-6F175D3DCCD1}">
+              <a14:hiddenFill xmlns:a14="http://schemas.microsoft.com/office/drawing/2010/main">
+                <a:solidFill>
+                  <a:srgbClr val="FFFFFF"/>
+                </a:solidFill>
+              </a14:hiddenFill>
+            </a:ext>
+          </a:extLst>
+        </p:spPr>
+      </p:pic>
+      <p:pic>
+        <p:nvPicPr>
+          <p:cNvPr id="1030" name="Picture 6" descr="관련 이미지">
+            <a:extLst>
+              <a:ext uri="{FF2B5EF4-FFF2-40B4-BE49-F238E27FC236}">
+                <a16:creationId xmlns:a16="http://schemas.microsoft.com/office/drawing/2014/main" id="{C0E001DB-C557-435F-9BB1-82972D7AC69B}"/>
+              </a:ext>
+            </a:extLst>
+          </p:cNvPr>
+          <p:cNvPicPr>
+            <a:picLocks noChangeAspect="1" noChangeArrowheads="1"/>
+          </p:cNvPicPr>
+          <p:nvPr/>
+        </p:nvPicPr>
+        <p:blipFill>
+          <a:blip r:embed="rId7">
+            <a:extLst>
+              <a:ext uri="{28A0092B-C50C-407E-A947-70E740481C1C}">
+                <a14:useLocalDpi xmlns:a14="http://schemas.microsoft.com/office/drawing/2010/main" val="0"/>
+              </a:ext>
+            </a:extLst>
+          </a:blip>
+          <a:srcRect/>
+          <a:stretch>
+            <a:fillRect/>
+          </a:stretch>
+        </p:blipFill>
+        <p:spPr bwMode="auto">
+          <a:xfrm>
+            <a:off x="6821678" y="1864020"/>
+            <a:ext cx="2981325" cy="1533525"/>
+          </a:xfrm>
+          <a:prstGeom prst="rect">
+            <a:avLst/>
+          </a:prstGeom>
+          <a:noFill/>
+          <a:effectLst>
+            <a:softEdge rad="31750"/>
+          </a:effectLst>
+          <a:extLst>
+            <a:ext uri="{909E8E84-426E-40DD-AFC4-6F175D3DCCD1}">
+              <a14:hiddenFill xmlns:a14="http://schemas.microsoft.com/office/drawing/2010/main">
+                <a:solidFill>
+                  <a:srgbClr val="FFFFFF"/>
+                </a:solidFill>
+              </a14:hiddenFill>
+            </a:ext>
+          </a:extLst>
+        </p:spPr>
+      </p:pic>
+      <p:sp>
+        <p:nvSpPr>
+          <p:cNvPr id="3" name="더하기 기호 2">
+            <a:extLst>
+              <a:ext uri="{FF2B5EF4-FFF2-40B4-BE49-F238E27FC236}">
+                <a16:creationId xmlns:a16="http://schemas.microsoft.com/office/drawing/2014/main" id="{AFC82288-524A-4C0C-A117-6ED171EF6655}"/>
               </a:ext>
             </a:extLst>
           </p:cNvPr>
@@ -6114,17 +6305,168 @@
         </p:nvSpPr>
         <p:spPr>
           <a:xfrm>
-            <a:off x="9082585" y="5384042"/>
-            <a:ext cx="1139588" cy="327546"/>
-          </a:xfrm>
-          <a:prstGeom prst="rect">
+            <a:off x="5281626" y="1988685"/>
+            <a:ext cx="1390261" cy="1279493"/>
+          </a:xfrm>
+          <a:custGeom>
             <a:avLst/>
-          </a:prstGeom>
+            <a:gdLst>
+              <a:gd name="connsiteX0" fmla="*/ 184279 w 1390261"/>
+              <a:gd name="connsiteY0" fmla="*/ 489278 h 1279493"/>
+              <a:gd name="connsiteX1" fmla="*/ 544662 w 1390261"/>
+              <a:gd name="connsiteY1" fmla="*/ 489278 h 1279493"/>
+              <a:gd name="connsiteX2" fmla="*/ 544662 w 1390261"/>
+              <a:gd name="connsiteY2" fmla="*/ 169597 h 1279493"/>
+              <a:gd name="connsiteX3" fmla="*/ 845599 w 1390261"/>
+              <a:gd name="connsiteY3" fmla="*/ 169597 h 1279493"/>
+              <a:gd name="connsiteX4" fmla="*/ 845599 w 1390261"/>
+              <a:gd name="connsiteY4" fmla="*/ 489278 h 1279493"/>
+              <a:gd name="connsiteX5" fmla="*/ 1205982 w 1390261"/>
+              <a:gd name="connsiteY5" fmla="*/ 489278 h 1279493"/>
+              <a:gd name="connsiteX6" fmla="*/ 1205982 w 1390261"/>
+              <a:gd name="connsiteY6" fmla="*/ 790215 h 1279493"/>
+              <a:gd name="connsiteX7" fmla="*/ 845599 w 1390261"/>
+              <a:gd name="connsiteY7" fmla="*/ 790215 h 1279493"/>
+              <a:gd name="connsiteX8" fmla="*/ 845599 w 1390261"/>
+              <a:gd name="connsiteY8" fmla="*/ 1109896 h 1279493"/>
+              <a:gd name="connsiteX9" fmla="*/ 544662 w 1390261"/>
+              <a:gd name="connsiteY9" fmla="*/ 1109896 h 1279493"/>
+              <a:gd name="connsiteX10" fmla="*/ 544662 w 1390261"/>
+              <a:gd name="connsiteY10" fmla="*/ 790215 h 1279493"/>
+              <a:gd name="connsiteX11" fmla="*/ 184279 w 1390261"/>
+              <a:gd name="connsiteY11" fmla="*/ 790215 h 1279493"/>
+              <a:gd name="connsiteX12" fmla="*/ 184279 w 1390261"/>
+              <a:gd name="connsiteY12" fmla="*/ 489278 h 1279493"/>
+            </a:gdLst>
+            <a:ahLst/>
+            <a:cxnLst>
+              <a:cxn ang="0">
+                <a:pos x="connsiteX0" y="connsiteY0"/>
+              </a:cxn>
+              <a:cxn ang="0">
+                <a:pos x="connsiteX1" y="connsiteY1"/>
+              </a:cxn>
+              <a:cxn ang="0">
+                <a:pos x="connsiteX2" y="connsiteY2"/>
+              </a:cxn>
+              <a:cxn ang="0">
+                <a:pos x="connsiteX3" y="connsiteY3"/>
+              </a:cxn>
+              <a:cxn ang="0">
+                <a:pos x="connsiteX4" y="connsiteY4"/>
+              </a:cxn>
+              <a:cxn ang="0">
+                <a:pos x="connsiteX5" y="connsiteY5"/>
+              </a:cxn>
+              <a:cxn ang="0">
+                <a:pos x="connsiteX6" y="connsiteY6"/>
+              </a:cxn>
+              <a:cxn ang="0">
+                <a:pos x="connsiteX7" y="connsiteY7"/>
+              </a:cxn>
+              <a:cxn ang="0">
+                <a:pos x="connsiteX8" y="connsiteY8"/>
+              </a:cxn>
+              <a:cxn ang="0">
+                <a:pos x="connsiteX9" y="connsiteY9"/>
+              </a:cxn>
+              <a:cxn ang="0">
+                <a:pos x="connsiteX10" y="connsiteY10"/>
+              </a:cxn>
+              <a:cxn ang="0">
+                <a:pos x="connsiteX11" y="connsiteY11"/>
+              </a:cxn>
+              <a:cxn ang="0">
+                <a:pos x="connsiteX12" y="connsiteY12"/>
+              </a:cxn>
+            </a:cxnLst>
+            <a:rect l="l" t="t" r="r" b="b"/>
+            <a:pathLst>
+              <a:path w="1390261" h="1279493" extrusionOk="0">
+                <a:moveTo>
+                  <a:pt x="184279" y="489278"/>
+                </a:moveTo>
+                <a:cubicBezTo>
+                  <a:pt x="347515" y="472767"/>
+                  <a:pt x="431691" y="474528"/>
+                  <a:pt x="544662" y="489278"/>
+                </a:cubicBezTo>
+                <a:cubicBezTo>
+                  <a:pt x="533596" y="401186"/>
+                  <a:pt x="547514" y="326659"/>
+                  <a:pt x="544662" y="169597"/>
+                </a:cubicBezTo>
+                <a:cubicBezTo>
+                  <a:pt x="665434" y="157405"/>
+                  <a:pt x="731656" y="181843"/>
+                  <a:pt x="845599" y="169597"/>
+                </a:cubicBezTo>
+                <a:cubicBezTo>
+                  <a:pt x="842850" y="299371"/>
+                  <a:pt x="849086" y="422664"/>
+                  <a:pt x="845599" y="489278"/>
+                </a:cubicBezTo>
+                <a:cubicBezTo>
+                  <a:pt x="964423" y="477918"/>
+                  <a:pt x="1122082" y="506609"/>
+                  <a:pt x="1205982" y="489278"/>
+                </a:cubicBezTo>
+                <a:cubicBezTo>
+                  <a:pt x="1191486" y="550594"/>
+                  <a:pt x="1220064" y="675490"/>
+                  <a:pt x="1205982" y="790215"/>
+                </a:cubicBezTo>
+                <a:cubicBezTo>
+                  <a:pt x="1132867" y="797896"/>
+                  <a:pt x="951192" y="788039"/>
+                  <a:pt x="845599" y="790215"/>
+                </a:cubicBezTo>
+                <a:cubicBezTo>
+                  <a:pt x="842168" y="906856"/>
+                  <a:pt x="840305" y="1006805"/>
+                  <a:pt x="845599" y="1109896"/>
+                </a:cubicBezTo>
+                <a:cubicBezTo>
+                  <a:pt x="707788" y="1123039"/>
+                  <a:pt x="655955" y="1110904"/>
+                  <a:pt x="544662" y="1109896"/>
+                </a:cubicBezTo>
+                <a:cubicBezTo>
+                  <a:pt x="539337" y="1001763"/>
+                  <a:pt x="557595" y="927130"/>
+                  <a:pt x="544662" y="790215"/>
+                </a:cubicBezTo>
+                <a:cubicBezTo>
+                  <a:pt x="376835" y="797582"/>
+                  <a:pt x="293081" y="803243"/>
+                  <a:pt x="184279" y="790215"/>
+                </a:cubicBezTo>
+                <a:cubicBezTo>
+                  <a:pt x="170984" y="643510"/>
+                  <a:pt x="175647" y="597268"/>
+                  <a:pt x="184279" y="489278"/>
+                </a:cubicBezTo>
+                <a:close/>
+              </a:path>
+            </a:pathLst>
+          </a:custGeom>
           <a:noFill/>
-          <a:ln w="28575">
+          <a:ln w="31750">
             <a:solidFill>
-              <a:srgbClr val="FF0000"/>
+              <a:srgbClr val="ECE4C6"/>
             </a:solidFill>
+            <a:extLst>
+              <a:ext uri="{C807C97D-BFC1-408E-A445-0C87EB9F89A2}">
+                <ask:lineSketchStyleProps xmlns:ask="http://schemas.microsoft.com/office/drawing/2018/sketchyshapes" sd="1219033472">
+                  <a:prstGeom prst="mathPlus">
+                    <a:avLst/>
+                  </a:prstGeom>
+                  <ask:type>
+                    <ask:lineSketchFreehand/>
+                  </ask:type>
+                </ask:lineSketchStyleProps>
+              </a:ext>
+            </a:extLst>
           </a:ln>
         </p:spPr>
         <p:style>
@@ -6152,159 +6494,12 @@
           </a:p>
         </p:txBody>
       </p:sp>
-    </p:spTree>
-    <p:extLst>
-      <p:ext uri="{BB962C8B-B14F-4D97-AF65-F5344CB8AC3E}">
-        <p14:creationId xmlns:p14="http://schemas.microsoft.com/office/powerpoint/2010/main" val="3144756337"/>
-      </p:ext>
-    </p:extLst>
-  </p:cSld>
-  <p:clrMapOvr>
-    <a:masterClrMapping/>
-  </p:clrMapOvr>
-</p:sld>
-</file>
-
-<file path=ppt/slides/slide7.xml><?xml version="1.0" encoding="utf-8"?>
-<p:sld xmlns:a="http://schemas.openxmlformats.org/drawingml/2006/main" xmlns:r="http://schemas.openxmlformats.org/officeDocument/2006/relationships" xmlns:p="http://schemas.openxmlformats.org/presentationml/2006/main">
-  <p:cSld>
-    <p:spTree>
-      <p:nvGrpSpPr>
-        <p:cNvPr id="1" name=""/>
-        <p:cNvGrpSpPr/>
-        <p:nvPr/>
-      </p:nvGrpSpPr>
-      <p:grpSpPr>
-        <a:xfrm>
-          <a:off x="0" y="0"/>
-          <a:ext cx="0" cy="0"/>
-          <a:chOff x="0" y="0"/>
-          <a:chExt cx="0" cy="0"/>
-        </a:xfrm>
-      </p:grpSpPr>
-      <p:sp>
-        <p:nvSpPr>
-          <p:cNvPr id="3" name="내용 개체 틀 2">
+      <p:sp>
+        <p:nvSpPr>
+          <p:cNvPr id="4" name="사각형: 둥근 모서리 3">
             <a:extLst>
               <a:ext uri="{FF2B5EF4-FFF2-40B4-BE49-F238E27FC236}">
-                <a16:creationId xmlns:a16="http://schemas.microsoft.com/office/drawing/2014/main" id="{C6AB08B7-3708-444F-A774-697491778DF1}"/>
-              </a:ext>
-            </a:extLst>
-          </p:cNvPr>
-          <p:cNvSpPr>
-            <a:spLocks noGrp="1"/>
-          </p:cNvSpPr>
-          <p:nvPr>
-            <p:ph idx="1"/>
-          </p:nvPr>
-        </p:nvSpPr>
-        <p:spPr/>
-        <p:txBody>
-          <a:bodyPr/>
-          <a:lstStyle/>
-          <a:p>
-            <a:r>
-              <a:rPr lang="ko-KR" altLang="en-US" dirty="0"/>
-              <a:t>개발용 임시 </a:t>
-            </a:r>
-            <a:r>
-              <a:rPr lang="en-US" altLang="ko-KR" dirty="0"/>
-              <a:t>Key</a:t>
-            </a:r>
-            <a:r>
-              <a:rPr lang="ko-KR" altLang="en-US" dirty="0"/>
-              <a:t>로 테스트</a:t>
-            </a:r>
-            <a:endParaRPr lang="en-US" altLang="ko-KR" dirty="0"/>
-          </a:p>
-          <a:p>
-            <a:endParaRPr lang="en-US" altLang="ko-KR" dirty="0"/>
-          </a:p>
-          <a:p>
-            <a:r>
-              <a:rPr lang="en-US" altLang="ko-KR" dirty="0"/>
-              <a:t>Json</a:t>
-            </a:r>
-            <a:r>
-              <a:rPr lang="ko-KR" altLang="en-US" dirty="0"/>
-              <a:t>형태로 반환</a:t>
-            </a:r>
-            <a:endParaRPr lang="en-US" altLang="ko-KR" dirty="0"/>
-          </a:p>
-          <a:p>
-            <a:endParaRPr lang="en-US" altLang="ko-KR" dirty="0"/>
-          </a:p>
-          <a:p>
-            <a:endParaRPr lang="ko-KR" altLang="en-US" dirty="0"/>
-          </a:p>
-        </p:txBody>
-      </p:sp>
-      <p:pic>
-        <p:nvPicPr>
-          <p:cNvPr id="4" name="그림 3">
-            <a:extLst>
-              <a:ext uri="{FF2B5EF4-FFF2-40B4-BE49-F238E27FC236}">
-                <a16:creationId xmlns:a16="http://schemas.microsoft.com/office/drawing/2014/main" id="{0CFB3187-3003-49D3-BD45-E0548D012713}"/>
-              </a:ext>
-            </a:extLst>
-          </p:cNvPr>
-          <p:cNvPicPr>
-            <a:picLocks noChangeAspect="1"/>
-          </p:cNvPicPr>
-          <p:nvPr/>
-        </p:nvPicPr>
-        <p:blipFill>
-          <a:blip r:embed="rId2"/>
-          <a:stretch>
-            <a:fillRect/>
-          </a:stretch>
-        </p:blipFill>
-        <p:spPr>
-          <a:xfrm>
-            <a:off x="1125925" y="2468688"/>
-            <a:ext cx="8253175" cy="259102"/>
-          </a:xfrm>
-          <a:prstGeom prst="rect">
-            <a:avLst/>
-          </a:prstGeom>
-        </p:spPr>
-      </p:pic>
-      <p:pic>
-        <p:nvPicPr>
-          <p:cNvPr id="5" name="그림 4">
-            <a:extLst>
-              <a:ext uri="{FF2B5EF4-FFF2-40B4-BE49-F238E27FC236}">
-                <a16:creationId xmlns:a16="http://schemas.microsoft.com/office/drawing/2014/main" id="{51C3400E-FF78-464B-9946-7A7E0970E58A}"/>
-              </a:ext>
-            </a:extLst>
-          </p:cNvPr>
-          <p:cNvPicPr>
-            <a:picLocks noChangeAspect="1"/>
-          </p:cNvPicPr>
-          <p:nvPr/>
-        </p:nvPicPr>
-        <p:blipFill>
-          <a:blip r:embed="rId3"/>
-          <a:stretch>
-            <a:fillRect/>
-          </a:stretch>
-        </p:blipFill>
-        <p:spPr>
-          <a:xfrm>
-            <a:off x="1166917" y="3387196"/>
-            <a:ext cx="5418290" cy="1486029"/>
-          </a:xfrm>
-          <a:prstGeom prst="rect">
-            <a:avLst/>
-          </a:prstGeom>
-        </p:spPr>
-      </p:pic>
-      <p:sp>
-        <p:nvSpPr>
-          <p:cNvPr id="6" name="직사각형 5">
-            <a:extLst>
-              <a:ext uri="{FF2B5EF4-FFF2-40B4-BE49-F238E27FC236}">
-                <a16:creationId xmlns:a16="http://schemas.microsoft.com/office/drawing/2014/main" id="{4F4B9395-E5D6-430A-B0E3-92595D88AE08}"/>
+                <a16:creationId xmlns:a16="http://schemas.microsoft.com/office/drawing/2014/main" id="{FFE4CB7C-1DA5-4A7F-AA0A-D18B843027C0}"/>
               </a:ext>
             </a:extLst>
           </p:cNvPr>
@@ -6313,17 +6508,128 @@
         </p:nvSpPr>
         <p:spPr>
           <a:xfrm>
-            <a:off x="1453487" y="4196687"/>
-            <a:ext cx="3166280" cy="156949"/>
-          </a:xfrm>
-          <a:prstGeom prst="rect">
+            <a:off x="1175214" y="5621556"/>
+            <a:ext cx="9837281" cy="312713"/>
+          </a:xfrm>
+          <a:custGeom>
             <a:avLst/>
-          </a:prstGeom>
+            <a:gdLst>
+              <a:gd name="connsiteX0" fmla="*/ 0 w 9837281"/>
+              <a:gd name="connsiteY0" fmla="*/ 52120 h 312713"/>
+              <a:gd name="connsiteX1" fmla="*/ 52120 w 9837281"/>
+              <a:gd name="connsiteY1" fmla="*/ 0 h 312713"/>
+              <a:gd name="connsiteX2" fmla="*/ 9785161 w 9837281"/>
+              <a:gd name="connsiteY2" fmla="*/ 0 h 312713"/>
+              <a:gd name="connsiteX3" fmla="*/ 9837281 w 9837281"/>
+              <a:gd name="connsiteY3" fmla="*/ 52120 h 312713"/>
+              <a:gd name="connsiteX4" fmla="*/ 9837281 w 9837281"/>
+              <a:gd name="connsiteY4" fmla="*/ 260593 h 312713"/>
+              <a:gd name="connsiteX5" fmla="*/ 9785161 w 9837281"/>
+              <a:gd name="connsiteY5" fmla="*/ 312713 h 312713"/>
+              <a:gd name="connsiteX6" fmla="*/ 52120 w 9837281"/>
+              <a:gd name="connsiteY6" fmla="*/ 312713 h 312713"/>
+              <a:gd name="connsiteX7" fmla="*/ 0 w 9837281"/>
+              <a:gd name="connsiteY7" fmla="*/ 260593 h 312713"/>
+              <a:gd name="connsiteX8" fmla="*/ 0 w 9837281"/>
+              <a:gd name="connsiteY8" fmla="*/ 52120 h 312713"/>
+            </a:gdLst>
+            <a:ahLst/>
+            <a:cxnLst>
+              <a:cxn ang="0">
+                <a:pos x="connsiteX0" y="connsiteY0"/>
+              </a:cxn>
+              <a:cxn ang="0">
+                <a:pos x="connsiteX1" y="connsiteY1"/>
+              </a:cxn>
+              <a:cxn ang="0">
+                <a:pos x="connsiteX2" y="connsiteY2"/>
+              </a:cxn>
+              <a:cxn ang="0">
+                <a:pos x="connsiteX3" y="connsiteY3"/>
+              </a:cxn>
+              <a:cxn ang="0">
+                <a:pos x="connsiteX4" y="connsiteY4"/>
+              </a:cxn>
+              <a:cxn ang="0">
+                <a:pos x="connsiteX5" y="connsiteY5"/>
+              </a:cxn>
+              <a:cxn ang="0">
+                <a:pos x="connsiteX6" y="connsiteY6"/>
+              </a:cxn>
+              <a:cxn ang="0">
+                <a:pos x="connsiteX7" y="connsiteY7"/>
+              </a:cxn>
+              <a:cxn ang="0">
+                <a:pos x="connsiteX8" y="connsiteY8"/>
+              </a:cxn>
+            </a:cxnLst>
+            <a:rect l="l" t="t" r="r" b="b"/>
+            <a:pathLst>
+              <a:path w="9837281" h="312713" extrusionOk="0">
+                <a:moveTo>
+                  <a:pt x="0" y="52120"/>
+                </a:moveTo>
+                <a:cubicBezTo>
+                  <a:pt x="-2102" y="22039"/>
+                  <a:pt x="22136" y="450"/>
+                  <a:pt x="52120" y="0"/>
+                </a:cubicBezTo>
+                <a:cubicBezTo>
+                  <a:pt x="1045012" y="132882"/>
+                  <a:pt x="5557481" y="-84951"/>
+                  <a:pt x="9785161" y="0"/>
+                </a:cubicBezTo>
+                <a:cubicBezTo>
+                  <a:pt x="9812373" y="1536"/>
+                  <a:pt x="9837121" y="24217"/>
+                  <a:pt x="9837281" y="52120"/>
+                </a:cubicBezTo>
+                <a:cubicBezTo>
+                  <a:pt x="9823370" y="110285"/>
+                  <a:pt x="9837784" y="226201"/>
+                  <a:pt x="9837281" y="260593"/>
+                </a:cubicBezTo>
+                <a:cubicBezTo>
+                  <a:pt x="9841236" y="289847"/>
+                  <a:pt x="9814798" y="310960"/>
+                  <a:pt x="9785161" y="312713"/>
+                </a:cubicBezTo>
+                <a:cubicBezTo>
+                  <a:pt x="7536942" y="400352"/>
+                  <a:pt x="2827120" y="240034"/>
+                  <a:pt x="52120" y="312713"/>
+                </a:cubicBezTo>
+                <a:cubicBezTo>
+                  <a:pt x="23172" y="311155"/>
+                  <a:pt x="-2951" y="293480"/>
+                  <a:pt x="0" y="260593"/>
+                </a:cubicBezTo>
+                <a:cubicBezTo>
+                  <a:pt x="-14136" y="232977"/>
+                  <a:pt x="-5441" y="114078"/>
+                  <a:pt x="0" y="52120"/>
+                </a:cubicBezTo>
+                <a:close/>
+              </a:path>
+            </a:pathLst>
+          </a:custGeom>
           <a:noFill/>
-          <a:ln>
+          <a:ln w="25400">
             <a:solidFill>
               <a:srgbClr val="FF0000"/>
             </a:solidFill>
+            <a:extLst>
+              <a:ext uri="{C807C97D-BFC1-408E-A445-0C87EB9F89A2}">
+                <ask:lineSketchStyleProps xmlns:ask="http://schemas.microsoft.com/office/drawing/2018/sketchyshapes" sd="1219033472">
+                  <a:prstGeom prst="roundRect">
+                    <a:avLst/>
+                  </a:prstGeom>
+                  <ask:type>
+                    <ask:lineSketchCurved/>
+                  </ask:type>
+                </ask:lineSketchStyleProps>
+              </a:ext>
+            </a:extLst>
           </a:ln>
         </p:spPr>
         <p:style>
@@ -6354,7 +6660,7 @@
     </p:spTree>
     <p:extLst>
       <p:ext uri="{BB962C8B-B14F-4D97-AF65-F5344CB8AC3E}">
-        <p14:creationId xmlns:p14="http://schemas.microsoft.com/office/powerpoint/2010/main" val="2166311248"/>
+        <p14:creationId xmlns:p14="http://schemas.microsoft.com/office/powerpoint/2010/main" val="1716349806"/>
       </p:ext>
     </p:extLst>
   </p:cSld>
@@ -6364,204 +6670,13 @@
 </p:sld>
 </file>
 
-<file path=ppt/slides/slide8.xml><?xml version="1.0" encoding="utf-8"?>
-<p:sld xmlns:a="http://schemas.openxmlformats.org/drawingml/2006/main" xmlns:r="http://schemas.openxmlformats.org/officeDocument/2006/relationships" xmlns:p="http://schemas.openxmlformats.org/presentationml/2006/main">
-  <p:cSld>
-    <p:spTree>
-      <p:nvGrpSpPr>
-        <p:cNvPr id="1" name=""/>
-        <p:cNvGrpSpPr/>
-        <p:nvPr/>
-      </p:nvGrpSpPr>
-      <p:grpSpPr>
-        <a:xfrm>
-          <a:off x="0" y="0"/>
-          <a:ext cx="0" cy="0"/>
-          <a:chOff x="0" y="0"/>
-          <a:chExt cx="0" cy="0"/>
-        </a:xfrm>
-      </p:grpSpPr>
-      <p:sp>
-        <p:nvSpPr>
-          <p:cNvPr id="3" name="내용 개체 틀 2">
-            <a:extLst>
-              <a:ext uri="{FF2B5EF4-FFF2-40B4-BE49-F238E27FC236}">
-                <a16:creationId xmlns:a16="http://schemas.microsoft.com/office/drawing/2014/main" id="{C6AB08B7-3708-444F-A774-697491778DF1}"/>
-              </a:ext>
-            </a:extLst>
-          </p:cNvPr>
-          <p:cNvSpPr>
-            <a:spLocks noGrp="1"/>
-          </p:cNvSpPr>
-          <p:nvPr>
-            <p:ph idx="1"/>
-          </p:nvPr>
-        </p:nvSpPr>
-        <p:spPr/>
-        <p:txBody>
-          <a:bodyPr/>
-          <a:lstStyle/>
-          <a:p>
-            <a:r>
-              <a:rPr lang="ko-KR" altLang="en-US" dirty="0"/>
-              <a:t>전적확인테스트</a:t>
-            </a:r>
-            <a:endParaRPr lang="en-US" altLang="ko-KR" dirty="0"/>
-          </a:p>
-          <a:p>
-            <a:endParaRPr lang="en-US" altLang="ko-KR" dirty="0"/>
-          </a:p>
-          <a:p>
-            <a:r>
-              <a:rPr lang="en-US" altLang="ko-KR" dirty="0"/>
-              <a:t>Json</a:t>
-            </a:r>
-            <a:r>
-              <a:rPr lang="ko-KR" altLang="en-US" dirty="0"/>
-              <a:t>형태로 반환</a:t>
-            </a:r>
-            <a:endParaRPr lang="en-US" altLang="ko-KR" dirty="0"/>
-          </a:p>
-          <a:p>
-            <a:endParaRPr lang="en-US" altLang="ko-KR" dirty="0"/>
-          </a:p>
-          <a:p>
-            <a:endParaRPr lang="ko-KR" altLang="en-US" dirty="0"/>
-          </a:p>
-        </p:txBody>
-      </p:sp>
-      <p:pic>
-        <p:nvPicPr>
-          <p:cNvPr id="2" name="그림 1">
-            <a:extLst>
-              <a:ext uri="{FF2B5EF4-FFF2-40B4-BE49-F238E27FC236}">
-                <a16:creationId xmlns:a16="http://schemas.microsoft.com/office/drawing/2014/main" id="{0BD85F41-2C16-4133-B2F9-06EFCBE59E4E}"/>
-              </a:ext>
-            </a:extLst>
-          </p:cNvPr>
-          <p:cNvPicPr>
-            <a:picLocks noChangeAspect="1"/>
-          </p:cNvPicPr>
-          <p:nvPr/>
-        </p:nvPicPr>
-        <p:blipFill>
-          <a:blip r:embed="rId2"/>
-          <a:stretch>
-            <a:fillRect/>
-          </a:stretch>
-        </p:blipFill>
-        <p:spPr>
-          <a:xfrm>
-            <a:off x="1224072" y="2470371"/>
-            <a:ext cx="10722269" cy="236240"/>
-          </a:xfrm>
-          <a:prstGeom prst="rect">
-            <a:avLst/>
-          </a:prstGeom>
-        </p:spPr>
-      </p:pic>
-      <p:pic>
-        <p:nvPicPr>
-          <p:cNvPr id="6" name="그림 5">
-            <a:extLst>
-              <a:ext uri="{FF2B5EF4-FFF2-40B4-BE49-F238E27FC236}">
-                <a16:creationId xmlns:a16="http://schemas.microsoft.com/office/drawing/2014/main" id="{F5018692-2453-44B0-A814-55B1E2928F78}"/>
-              </a:ext>
-            </a:extLst>
-          </p:cNvPr>
-          <p:cNvPicPr>
-            <a:picLocks noChangeAspect="1"/>
-          </p:cNvPicPr>
-          <p:nvPr/>
-        </p:nvPicPr>
-        <p:blipFill>
-          <a:blip r:embed="rId3"/>
-          <a:stretch>
-            <a:fillRect/>
-          </a:stretch>
-        </p:blipFill>
-        <p:spPr>
-          <a:xfrm>
-            <a:off x="1224072" y="3429000"/>
-            <a:ext cx="4054191" cy="2629128"/>
-          </a:xfrm>
-          <a:prstGeom prst="rect">
-            <a:avLst/>
-          </a:prstGeom>
-        </p:spPr>
-      </p:pic>
-      <p:sp>
-        <p:nvSpPr>
-          <p:cNvPr id="7" name="직사각형 6">
-            <a:extLst>
-              <a:ext uri="{FF2B5EF4-FFF2-40B4-BE49-F238E27FC236}">
-                <a16:creationId xmlns:a16="http://schemas.microsoft.com/office/drawing/2014/main" id="{A7A8738E-7D65-45C2-B64D-E079A1749C9A}"/>
-              </a:ext>
-            </a:extLst>
-          </p:cNvPr>
-          <p:cNvSpPr/>
-          <p:nvPr/>
-        </p:nvSpPr>
-        <p:spPr>
-          <a:xfrm>
-            <a:off x="5216118" y="2470371"/>
-            <a:ext cx="3279151" cy="236240"/>
-          </a:xfrm>
-          <a:prstGeom prst="rect">
-            <a:avLst/>
-          </a:prstGeom>
-          <a:noFill/>
-          <a:ln w="28575">
-            <a:solidFill>
-              <a:srgbClr val="FF0000"/>
-            </a:solidFill>
-          </a:ln>
-        </p:spPr>
-        <p:style>
-          <a:lnRef idx="2">
-            <a:schemeClr val="accent1">
-              <a:shade val="50000"/>
-            </a:schemeClr>
-          </a:lnRef>
-          <a:fillRef idx="1">
-            <a:schemeClr val="accent1"/>
-          </a:fillRef>
-          <a:effectRef idx="0">
-            <a:schemeClr val="accent1"/>
-          </a:effectRef>
-          <a:fontRef idx="minor">
-            <a:schemeClr val="lt1"/>
-          </a:fontRef>
-        </p:style>
-        <p:txBody>
-          <a:bodyPr rtlCol="0" anchor="ctr"/>
-          <a:lstStyle/>
-          <a:p>
-            <a:pPr algn="ctr"/>
-            <a:endParaRPr lang="ko-KR" altLang="en-US"/>
-          </a:p>
-        </p:txBody>
-      </p:sp>
-    </p:spTree>
-    <p:extLst>
-      <p:ext uri="{BB962C8B-B14F-4D97-AF65-F5344CB8AC3E}">
-        <p14:creationId xmlns:p14="http://schemas.microsoft.com/office/powerpoint/2010/main" val="1180561822"/>
-      </p:ext>
-    </p:extLst>
-  </p:cSld>
-  <p:clrMapOvr>
-    <a:masterClrMapping/>
-  </p:clrMapOvr>
-</p:sld>
-</file>
-
-<file path=ppt/slides/slide9.xml><?xml version="1.0" encoding="utf-8"?>
+<file path=ppt/slides/slide7.xml><?xml version="1.0" encoding="utf-8"?>
 <p:sld xmlns:a="http://schemas.openxmlformats.org/drawingml/2006/main" xmlns:r="http://schemas.openxmlformats.org/officeDocument/2006/relationships" xmlns:p="http://schemas.openxmlformats.org/presentationml/2006/main">
   <p:cSld>
     <p:bg>
       <p:bgPr>
         <a:solidFill>
-          <a:srgbClr val="090A0E"/>
+          <a:srgbClr val="000A14"/>
         </a:solidFill>
         <a:effectLst/>
       </p:bgPr>
@@ -6582,238 +6697,1270 @@
       </p:grpSpPr>
       <p:pic>
         <p:nvPicPr>
-          <p:cNvPr id="7" name="Picture 2">
+          <p:cNvPr id="5" name="그림 4"/>
+          <p:cNvPicPr>
+            <a:picLocks noChangeAspect="1"/>
+          </p:cNvPicPr>
+          <p:nvPr/>
+        </p:nvPicPr>
+        <p:blipFill>
+          <a:blip r:embed="rId2"/>
+          <a:stretch>
+            <a:fillRect/>
+          </a:stretch>
+        </p:blipFill>
+        <p:spPr>
+          <a:xfrm>
+            <a:off x="0" y="0"/>
+            <a:ext cx="12192000" cy="1447800"/>
+          </a:xfrm>
+          <a:prstGeom prst="rect">
+            <a:avLst/>
+          </a:prstGeom>
+        </p:spPr>
+      </p:pic>
+      <p:sp>
+        <p:nvSpPr>
+          <p:cNvPr id="6" name="직사각형 5"/>
+          <p:cNvSpPr/>
+          <p:nvPr/>
+        </p:nvSpPr>
+        <p:spPr>
+          <a:xfrm>
+            <a:off x="10338318" y="307910"/>
+            <a:ext cx="1203649" cy="158621"/>
+          </a:xfrm>
+          <a:prstGeom prst="rect">
+            <a:avLst/>
+          </a:prstGeom>
+          <a:solidFill>
+            <a:srgbClr val="00101C"/>
+          </a:solidFill>
+          <a:ln>
+            <a:noFill/>
+          </a:ln>
+        </p:spPr>
+        <p:style>
+          <a:lnRef idx="2">
+            <a:schemeClr val="accent1">
+              <a:shade val="50000"/>
+            </a:schemeClr>
+          </a:lnRef>
+          <a:fillRef idx="1">
+            <a:schemeClr val="accent1"/>
+          </a:fillRef>
+          <a:effectRef idx="0">
+            <a:schemeClr val="accent1"/>
+          </a:effectRef>
+          <a:fontRef idx="minor">
+            <a:schemeClr val="lt1"/>
+          </a:fontRef>
+        </p:style>
+        <p:txBody>
+          <a:bodyPr rtlCol="0" anchor="ctr"/>
+          <a:lstStyle/>
+          <a:p>
+            <a:pPr algn="ctr"/>
+            <a:endParaRPr lang="ko-KR" altLang="en-US"/>
+          </a:p>
+        </p:txBody>
+      </p:sp>
+      <p:sp>
+        <p:nvSpPr>
+          <p:cNvPr id="7" name="TextBox 6">
             <a:extLst>
               <a:ext uri="{FF2B5EF4-FFF2-40B4-BE49-F238E27FC236}">
-                <a16:creationId xmlns:a16="http://schemas.microsoft.com/office/drawing/2014/main" id="{079DD2F3-662E-438D-A47C-5D8C80541F91}"/>
+                <a16:creationId xmlns:a16="http://schemas.microsoft.com/office/drawing/2014/main" id="{CB8A40D1-ABC6-44AD-85A9-12E6F572C597}"/>
               </a:ext>
-              <a:ext uri="{C183D7F6-B498-43B3-948B-1728B52AA6E4}">
-                <adec:decorative xmlns:adec="http://schemas.microsoft.com/office/drawing/2017/decorative" val="0"/>
+            </a:extLst>
+          </p:cNvPr>
+          <p:cNvSpPr txBox="1"/>
+          <p:nvPr/>
+        </p:nvSpPr>
+        <p:spPr>
+          <a:xfrm>
+            <a:off x="1231200" y="820925"/>
+            <a:ext cx="3444878" cy="769441"/>
+          </a:xfrm>
+          <a:prstGeom prst="rect">
+            <a:avLst/>
+          </a:prstGeom>
+          <a:noFill/>
+        </p:spPr>
+        <p:txBody>
+          <a:bodyPr wrap="square" rtlCol="0">
+            <a:spAutoFit/>
+          </a:bodyPr>
+          <a:lstStyle/>
+          <a:p>
+            <a:pPr algn="ctr">
+              <a:lnSpc>
+                <a:spcPct val="150000"/>
+              </a:lnSpc>
+              <a:buSzPct val="90000"/>
+            </a:pPr>
+            <a:r>
+              <a:rPr lang="ko-KR" altLang="en-US" sz="3200" dirty="0">
+                <a:solidFill>
+                  <a:srgbClr val="ECE4C6"/>
+                </a:solidFill>
+                <a:latin typeface="서울한강체 L" panose="02020503020101020101" pitchFamily="18" charset="-127"/>
+                <a:ea typeface="서울한강체 L" panose="02020503020101020101" pitchFamily="18" charset="-127"/>
+              </a:rPr>
+              <a:t>프로젝트 진행 상황</a:t>
+            </a:r>
+            <a:endParaRPr lang="ko-KR" altLang="en-US" dirty="0">
+              <a:solidFill>
+                <a:schemeClr val="bg1"/>
+              </a:solidFill>
+              <a:latin typeface="서울한강체 L" panose="02020503020101020101" pitchFamily="18" charset="-127"/>
+              <a:ea typeface="서울한강체 L" panose="02020503020101020101" pitchFamily="18" charset="-127"/>
+            </a:endParaRPr>
+          </a:p>
+        </p:txBody>
+      </p:sp>
+      <p:pic>
+        <p:nvPicPr>
+          <p:cNvPr id="8" name="그림 7">
+            <a:extLst>
+              <a:ext uri="{FF2B5EF4-FFF2-40B4-BE49-F238E27FC236}">
+                <a16:creationId xmlns:a16="http://schemas.microsoft.com/office/drawing/2014/main" id="{346DA35D-CE06-499D-8CDD-9667D4EAC1D9}"/>
               </a:ext>
             </a:extLst>
           </p:cNvPr>
           <p:cNvPicPr>
-            <a:picLocks noChangeAspect="1" noChangeArrowheads="1"/>
-          </p:cNvPicPr>
-          <p:nvPr/>
-        </p:nvPicPr>
-        <p:blipFill>
-          <a:blip r:embed="rId2">
-            <a:extLst>
-              <a:ext uri="{28A0092B-C50C-407E-A947-70E740481C1C}">
-                <a14:useLocalDpi xmlns:a14="http://schemas.microsoft.com/office/drawing/2010/main" val="0"/>
-              </a:ext>
-            </a:extLst>
-          </a:blip>
-          <a:srcRect/>
-          <a:stretch>
-            <a:fillRect/>
-          </a:stretch>
-        </p:blipFill>
-        <p:spPr bwMode="auto">
-          <a:xfrm>
-            <a:off x="2833645" y="3166757"/>
-            <a:ext cx="2371725" cy="2990850"/>
-          </a:xfrm>
-          <a:prstGeom prst="rect">
-            <a:avLst/>
-          </a:prstGeom>
-          <a:noFill/>
-          <a:extLst>
-            <a:ext uri="{909E8E84-426E-40DD-AFC4-6F175D3DCCD1}">
-              <a14:hiddenFill xmlns:a14="http://schemas.microsoft.com/office/drawing/2010/main">
-                <a:solidFill>
-                  <a:srgbClr val="FFFFFF"/>
-                </a:solidFill>
-              </a14:hiddenFill>
-            </a:ext>
-          </a:extLst>
-        </p:spPr>
-      </p:pic>
-      <p:pic>
-        <p:nvPicPr>
-          <p:cNvPr id="2050" name="Picture 2" descr="관련 이미지">
-            <a:extLst>
-              <a:ext uri="{FF2B5EF4-FFF2-40B4-BE49-F238E27FC236}">
-                <a16:creationId xmlns:a16="http://schemas.microsoft.com/office/drawing/2014/main" id="{E1CE4350-7AAC-441F-A2B9-71739CBEFD9E}"/>
-              </a:ext>
-            </a:extLst>
-          </p:cNvPr>
-          <p:cNvPicPr>
-            <a:picLocks noChangeAspect="1" noChangeArrowheads="1"/>
+            <a:picLocks noChangeAspect="1"/>
           </p:cNvPicPr>
           <p:nvPr/>
         </p:nvPicPr>
         <p:blipFill>
           <a:blip r:embed="rId3">
             <a:extLst>
-              <a:ext uri="{28A0092B-C50C-407E-A947-70E740481C1C}">
-                <a14:useLocalDpi xmlns:a14="http://schemas.microsoft.com/office/drawing/2010/main" val="0"/>
+              <a:ext uri="{BEBA8EAE-BF5A-486C-A8C5-ECC9F3942E4B}">
+                <a14:imgProps xmlns:a14="http://schemas.microsoft.com/office/drawing/2010/main">
+                  <a14:imgLayer r:embed="rId4">
+                    <a14:imgEffect>
+                      <a14:backgroundRemoval t="10000" b="90000" l="10000" r="90000"/>
+                    </a14:imgEffect>
+                  </a14:imgLayer>
+                </a14:imgProps>
               </a:ext>
             </a:extLst>
           </a:blip>
-          <a:srcRect/>
           <a:stretch>
             <a:fillRect/>
           </a:stretch>
         </p:blipFill>
-        <p:spPr bwMode="auto">
+        <p:spPr>
+          <a:xfrm rot="3730821">
+            <a:off x="964800" y="1071551"/>
+            <a:ext cx="402689" cy="464641"/>
+          </a:xfrm>
+          <a:prstGeom prst="rect">
+            <a:avLst/>
+          </a:prstGeom>
+        </p:spPr>
+      </p:pic>
+      <p:sp>
+        <p:nvSpPr>
+          <p:cNvPr id="11" name="TextBox 10">
+            <a:extLst>
+              <a:ext uri="{FF2B5EF4-FFF2-40B4-BE49-F238E27FC236}">
+                <a16:creationId xmlns:a16="http://schemas.microsoft.com/office/drawing/2014/main" id="{91D90B30-3423-46AD-B828-FF7F478E13A8}"/>
+              </a:ext>
+            </a:extLst>
+          </p:cNvPr>
+          <p:cNvSpPr txBox="1"/>
+          <p:nvPr/>
+        </p:nvSpPr>
+        <p:spPr>
           <a:xfrm>
-            <a:off x="5295376" y="3384970"/>
-            <a:ext cx="2943225" cy="2943225"/>
+            <a:off x="1231200" y="1970897"/>
+            <a:ext cx="8927169" cy="1977464"/>
           </a:xfrm>
           <a:prstGeom prst="rect">
             <a:avLst/>
           </a:prstGeom>
           <a:noFill/>
-          <a:extLst>
-            <a:ext uri="{909E8E84-426E-40DD-AFC4-6F175D3DCCD1}">
-              <a14:hiddenFill xmlns:a14="http://schemas.microsoft.com/office/drawing/2010/main">
+        </p:spPr>
+        <p:txBody>
+          <a:bodyPr wrap="square" rtlCol="0">
+            <a:spAutoFit/>
+          </a:bodyPr>
+          <a:lstStyle/>
+          <a:p>
+            <a:pPr>
+              <a:lnSpc>
+                <a:spcPct val="150000"/>
+              </a:lnSpc>
+              <a:buSzPct val="90000"/>
+            </a:pPr>
+            <a:r>
+              <a:rPr lang="en-US" altLang="ko-KR" sz="2800" dirty="0">
                 <a:solidFill>
-                  <a:srgbClr val="FFFFFF"/>
+                  <a:schemeClr val="bg1"/>
                 </a:solidFill>
-              </a14:hiddenFill>
-            </a:ext>
-          </a:extLst>
-        </p:spPr>
-      </p:pic>
+                <a:latin typeface="서울한강체 L" panose="02020503020101020101" pitchFamily="18" charset="-127"/>
+                <a:ea typeface="서울한강체 L" panose="02020503020101020101" pitchFamily="18" charset="-127"/>
+              </a:rPr>
+              <a:t>1. </a:t>
+            </a:r>
+            <a:r>
+              <a:rPr lang="ko-KR" altLang="en-US" sz="2800" dirty="0">
+                <a:solidFill>
+                  <a:schemeClr val="bg1"/>
+                </a:solidFill>
+                <a:latin typeface="서울한강체 L" panose="02020503020101020101" pitchFamily="18" charset="-127"/>
+                <a:ea typeface="서울한강체 L" panose="02020503020101020101" pitchFamily="18" charset="-127"/>
+              </a:rPr>
+              <a:t>개발용 임시 </a:t>
+            </a:r>
+            <a:r>
+              <a:rPr lang="en-US" altLang="ko-KR" sz="2800" dirty="0">
+                <a:solidFill>
+                  <a:schemeClr val="bg1"/>
+                </a:solidFill>
+                <a:latin typeface="서울한강체 L" panose="02020503020101020101" pitchFamily="18" charset="-127"/>
+                <a:ea typeface="서울한강체 L" panose="02020503020101020101" pitchFamily="18" charset="-127"/>
+              </a:rPr>
+              <a:t>Key</a:t>
+            </a:r>
+            <a:r>
+              <a:rPr lang="ko-KR" altLang="en-US" sz="2800" dirty="0">
+                <a:solidFill>
+                  <a:schemeClr val="bg1"/>
+                </a:solidFill>
+                <a:latin typeface="서울한강체 L" panose="02020503020101020101" pitchFamily="18" charset="-127"/>
+                <a:ea typeface="서울한강체 L" panose="02020503020101020101" pitchFamily="18" charset="-127"/>
+              </a:rPr>
+              <a:t>로 테스트</a:t>
+            </a:r>
+          </a:p>
+          <a:p>
+            <a:pPr>
+              <a:lnSpc>
+                <a:spcPct val="150000"/>
+              </a:lnSpc>
+              <a:buSzPct val="90000"/>
+            </a:pPr>
+            <a:endParaRPr lang="ko-KR" altLang="en-US" sz="2800" dirty="0">
+              <a:solidFill>
+                <a:schemeClr val="bg1"/>
+              </a:solidFill>
+              <a:latin typeface="서울한강체 L" panose="02020503020101020101" pitchFamily="18" charset="-127"/>
+              <a:ea typeface="서울한강체 L" panose="02020503020101020101" pitchFamily="18" charset="-127"/>
+            </a:endParaRPr>
+          </a:p>
+          <a:p>
+            <a:pPr>
+              <a:lnSpc>
+                <a:spcPct val="150000"/>
+              </a:lnSpc>
+              <a:buSzPct val="90000"/>
+            </a:pPr>
+            <a:r>
+              <a:rPr lang="en-US" altLang="ko-KR" sz="2800" dirty="0">
+                <a:solidFill>
+                  <a:schemeClr val="bg1"/>
+                </a:solidFill>
+                <a:latin typeface="서울한강체 L" panose="02020503020101020101" pitchFamily="18" charset="-127"/>
+                <a:ea typeface="서울한강체 L" panose="02020503020101020101" pitchFamily="18" charset="-127"/>
+              </a:rPr>
+              <a:t>2. Json</a:t>
+            </a:r>
+            <a:r>
+              <a:rPr lang="ko-KR" altLang="en-US" sz="2800" dirty="0">
+                <a:solidFill>
+                  <a:schemeClr val="bg1"/>
+                </a:solidFill>
+                <a:latin typeface="서울한강체 L" panose="02020503020101020101" pitchFamily="18" charset="-127"/>
+                <a:ea typeface="서울한강체 L" panose="02020503020101020101" pitchFamily="18" charset="-127"/>
+              </a:rPr>
+              <a:t>형태로 반환</a:t>
+            </a:r>
+          </a:p>
+        </p:txBody>
+      </p:sp>
       <p:pic>
         <p:nvPicPr>
-          <p:cNvPr id="2054" name="Picture 6" descr="league of legends png에 대한 이미지 검색결과">
+          <p:cNvPr id="12" name="그림 11">
             <a:extLst>
               <a:ext uri="{FF2B5EF4-FFF2-40B4-BE49-F238E27FC236}">
-                <a16:creationId xmlns:a16="http://schemas.microsoft.com/office/drawing/2014/main" id="{5F4384E0-5F9B-46DF-A398-3865CA05EDF7}"/>
+                <a16:creationId xmlns:a16="http://schemas.microsoft.com/office/drawing/2014/main" id="{B1CA2B9D-3ADF-480F-A7D3-2F1CC4D4051A}"/>
               </a:ext>
             </a:extLst>
           </p:cNvPr>
           <p:cNvPicPr>
-            <a:picLocks noChangeAspect="1" noChangeArrowheads="1"/>
+            <a:picLocks noChangeAspect="1"/>
+          </p:cNvPicPr>
+          <p:nvPr/>
+        </p:nvPicPr>
+        <p:blipFill>
+          <a:blip r:embed="rId5"/>
+          <a:stretch>
+            <a:fillRect/>
+          </a:stretch>
+        </p:blipFill>
+        <p:spPr>
+          <a:xfrm>
+            <a:off x="1568196" y="2830078"/>
+            <a:ext cx="8253175" cy="259102"/>
+          </a:xfrm>
+          <a:prstGeom prst="rect">
+            <a:avLst/>
+          </a:prstGeom>
+        </p:spPr>
+      </p:pic>
+      <p:pic>
+        <p:nvPicPr>
+          <p:cNvPr id="14" name="그림 13">
+            <a:extLst>
+              <a:ext uri="{FF2B5EF4-FFF2-40B4-BE49-F238E27FC236}">
+                <a16:creationId xmlns:a16="http://schemas.microsoft.com/office/drawing/2014/main" id="{9A0B1FAD-1005-4DB5-BA04-2E53CF1546D5}"/>
+              </a:ext>
+            </a:extLst>
+          </p:cNvPr>
+          <p:cNvPicPr>
+            <a:picLocks noChangeAspect="1"/>
+          </p:cNvPicPr>
+          <p:nvPr/>
+        </p:nvPicPr>
+        <p:blipFill>
+          <a:blip r:embed="rId6"/>
+          <a:stretch>
+            <a:fillRect/>
+          </a:stretch>
+        </p:blipFill>
+        <p:spPr>
+          <a:xfrm>
+            <a:off x="1568196" y="4135526"/>
+            <a:ext cx="5418290" cy="1486029"/>
+          </a:xfrm>
+          <a:prstGeom prst="rect">
+            <a:avLst/>
+          </a:prstGeom>
+        </p:spPr>
+      </p:pic>
+      <p:sp>
+        <p:nvSpPr>
+          <p:cNvPr id="4" name="사각형: 둥근 모서리 3">
+            <a:extLst>
+              <a:ext uri="{FF2B5EF4-FFF2-40B4-BE49-F238E27FC236}">
+                <a16:creationId xmlns:a16="http://schemas.microsoft.com/office/drawing/2014/main" id="{FFE4CB7C-1DA5-4A7F-AA0A-D18B843027C0}"/>
+              </a:ext>
+            </a:extLst>
+          </p:cNvPr>
+          <p:cNvSpPr/>
+          <p:nvPr/>
+        </p:nvSpPr>
+        <p:spPr>
+          <a:xfrm>
+            <a:off x="1781708" y="5094515"/>
+            <a:ext cx="3126194" cy="167951"/>
+          </a:xfrm>
+          <a:prstGeom prst="roundRect">
+            <a:avLst>
+              <a:gd name="adj" fmla="val 50000"/>
+            </a:avLst>
+          </a:prstGeom>
+          <a:noFill/>
+          <a:ln w="25400">
+            <a:solidFill>
+              <a:srgbClr val="FF0000"/>
+            </a:solidFill>
+            <a:extLst>
+              <a:ext uri="{C807C97D-BFC1-408E-A445-0C87EB9F89A2}">
+                <ask:lineSketchStyleProps xmlns:ask="http://schemas.microsoft.com/office/drawing/2018/sketchyshapes" sd="1219033472">
+                  <a:custGeom>
+                    <a:avLst/>
+                    <a:gdLst>
+                      <a:gd name="connsiteX0" fmla="*/ 0 w 3200840"/>
+                      <a:gd name="connsiteY0" fmla="*/ 41989 h 251926"/>
+                      <a:gd name="connsiteX1" fmla="*/ 41989 w 3200840"/>
+                      <a:gd name="connsiteY1" fmla="*/ 0 h 251926"/>
+                      <a:gd name="connsiteX2" fmla="*/ 727699 w 3200840"/>
+                      <a:gd name="connsiteY2" fmla="*/ 0 h 251926"/>
+                      <a:gd name="connsiteX3" fmla="*/ 1319902 w 3200840"/>
+                      <a:gd name="connsiteY3" fmla="*/ 0 h 251926"/>
+                      <a:gd name="connsiteX4" fmla="*/ 1880938 w 3200840"/>
+                      <a:gd name="connsiteY4" fmla="*/ 0 h 251926"/>
+                      <a:gd name="connsiteX5" fmla="*/ 2535479 w 3200840"/>
+                      <a:gd name="connsiteY5" fmla="*/ 0 h 251926"/>
+                      <a:gd name="connsiteX6" fmla="*/ 3158851 w 3200840"/>
+                      <a:gd name="connsiteY6" fmla="*/ 0 h 251926"/>
+                      <a:gd name="connsiteX7" fmla="*/ 3200840 w 3200840"/>
+                      <a:gd name="connsiteY7" fmla="*/ 41989 h 251926"/>
+                      <a:gd name="connsiteX8" fmla="*/ 3200840 w 3200840"/>
+                      <a:gd name="connsiteY8" fmla="*/ 209937 h 251926"/>
+                      <a:gd name="connsiteX9" fmla="*/ 3158851 w 3200840"/>
+                      <a:gd name="connsiteY9" fmla="*/ 251926 h 251926"/>
+                      <a:gd name="connsiteX10" fmla="*/ 2535479 w 3200840"/>
+                      <a:gd name="connsiteY10" fmla="*/ 251926 h 251926"/>
+                      <a:gd name="connsiteX11" fmla="*/ 1943275 w 3200840"/>
+                      <a:gd name="connsiteY11" fmla="*/ 251926 h 251926"/>
+                      <a:gd name="connsiteX12" fmla="*/ 1257565 w 3200840"/>
+                      <a:gd name="connsiteY12" fmla="*/ 251926 h 251926"/>
+                      <a:gd name="connsiteX13" fmla="*/ 571856 w 3200840"/>
+                      <a:gd name="connsiteY13" fmla="*/ 251926 h 251926"/>
+                      <a:gd name="connsiteX14" fmla="*/ 41989 w 3200840"/>
+                      <a:gd name="connsiteY14" fmla="*/ 251926 h 251926"/>
+                      <a:gd name="connsiteX15" fmla="*/ 0 w 3200840"/>
+                      <a:gd name="connsiteY15" fmla="*/ 209937 h 251926"/>
+                      <a:gd name="connsiteX16" fmla="*/ 0 w 3200840"/>
+                      <a:gd name="connsiteY16" fmla="*/ 41989 h 251926"/>
+                    </a:gdLst>
+                    <a:ahLst/>
+                    <a:cxnLst>
+                      <a:cxn ang="0">
+                        <a:pos x="connsiteX0" y="connsiteY0"/>
+                      </a:cxn>
+                      <a:cxn ang="0">
+                        <a:pos x="connsiteX1" y="connsiteY1"/>
+                      </a:cxn>
+                      <a:cxn ang="0">
+                        <a:pos x="connsiteX2" y="connsiteY2"/>
+                      </a:cxn>
+                      <a:cxn ang="0">
+                        <a:pos x="connsiteX3" y="connsiteY3"/>
+                      </a:cxn>
+                      <a:cxn ang="0">
+                        <a:pos x="connsiteX4" y="connsiteY4"/>
+                      </a:cxn>
+                      <a:cxn ang="0">
+                        <a:pos x="connsiteX5" y="connsiteY5"/>
+                      </a:cxn>
+                      <a:cxn ang="0">
+                        <a:pos x="connsiteX6" y="connsiteY6"/>
+                      </a:cxn>
+                      <a:cxn ang="0">
+                        <a:pos x="connsiteX7" y="connsiteY7"/>
+                      </a:cxn>
+                      <a:cxn ang="0">
+                        <a:pos x="connsiteX8" y="connsiteY8"/>
+                      </a:cxn>
+                      <a:cxn ang="0">
+                        <a:pos x="connsiteX9" y="connsiteY9"/>
+                      </a:cxn>
+                      <a:cxn ang="0">
+                        <a:pos x="connsiteX10" y="connsiteY10"/>
+                      </a:cxn>
+                      <a:cxn ang="0">
+                        <a:pos x="connsiteX11" y="connsiteY11"/>
+                      </a:cxn>
+                      <a:cxn ang="0">
+                        <a:pos x="connsiteX12" y="connsiteY12"/>
+                      </a:cxn>
+                      <a:cxn ang="0">
+                        <a:pos x="connsiteX13" y="connsiteY13"/>
+                      </a:cxn>
+                      <a:cxn ang="0">
+                        <a:pos x="connsiteX14" y="connsiteY14"/>
+                      </a:cxn>
+                      <a:cxn ang="0">
+                        <a:pos x="connsiteX15" y="connsiteY15"/>
+                      </a:cxn>
+                      <a:cxn ang="0">
+                        <a:pos x="connsiteX16" y="connsiteY16"/>
+                      </a:cxn>
+                    </a:cxnLst>
+                    <a:rect l="l" t="t" r="r" b="b"/>
+                    <a:pathLst>
+                      <a:path w="3200840" h="251926" extrusionOk="0">
+                        <a:moveTo>
+                          <a:pt x="0" y="41989"/>
+                        </a:moveTo>
+                        <a:cubicBezTo>
+                          <a:pt x="-1355" y="17963"/>
+                          <a:pt x="15946" y="1071"/>
+                          <a:pt x="41989" y="0"/>
+                        </a:cubicBezTo>
+                        <a:cubicBezTo>
+                          <a:pt x="319885" y="3549"/>
+                          <a:pt x="533929" y="17407"/>
+                          <a:pt x="727699" y="0"/>
+                        </a:cubicBezTo>
+                        <a:cubicBezTo>
+                          <a:pt x="921469" y="-17407"/>
+                          <a:pt x="1042974" y="5865"/>
+                          <a:pt x="1319902" y="0"/>
+                        </a:cubicBezTo>
+                        <a:cubicBezTo>
+                          <a:pt x="1596830" y="-5865"/>
+                          <a:pt x="1686590" y="-10737"/>
+                          <a:pt x="1880938" y="0"/>
+                        </a:cubicBezTo>
+                        <a:cubicBezTo>
+                          <a:pt x="2075286" y="10737"/>
+                          <a:pt x="2306105" y="-30251"/>
+                          <a:pt x="2535479" y="0"/>
+                        </a:cubicBezTo>
+                        <a:cubicBezTo>
+                          <a:pt x="2764853" y="30251"/>
+                          <a:pt x="2907116" y="26294"/>
+                          <a:pt x="3158851" y="0"/>
+                        </a:cubicBezTo>
+                        <a:cubicBezTo>
+                          <a:pt x="3184579" y="-4130"/>
+                          <a:pt x="3196978" y="22193"/>
+                          <a:pt x="3200840" y="41989"/>
+                        </a:cubicBezTo>
+                        <a:cubicBezTo>
+                          <a:pt x="3200376" y="120939"/>
+                          <a:pt x="3192958" y="146740"/>
+                          <a:pt x="3200840" y="209937"/>
+                        </a:cubicBezTo>
+                        <a:cubicBezTo>
+                          <a:pt x="3204112" y="233914"/>
+                          <a:pt x="3181254" y="251799"/>
+                          <a:pt x="3158851" y="251926"/>
+                        </a:cubicBezTo>
+                        <a:cubicBezTo>
+                          <a:pt x="3016708" y="237962"/>
+                          <a:pt x="2822187" y="246789"/>
+                          <a:pt x="2535479" y="251926"/>
+                        </a:cubicBezTo>
+                        <a:cubicBezTo>
+                          <a:pt x="2248771" y="257063"/>
+                          <a:pt x="2216843" y="270379"/>
+                          <a:pt x="1943275" y="251926"/>
+                        </a:cubicBezTo>
+                        <a:cubicBezTo>
+                          <a:pt x="1669707" y="233473"/>
+                          <a:pt x="1451913" y="276547"/>
+                          <a:pt x="1257565" y="251926"/>
+                        </a:cubicBezTo>
+                        <a:cubicBezTo>
+                          <a:pt x="1063217" y="227306"/>
+                          <a:pt x="741095" y="269050"/>
+                          <a:pt x="571856" y="251926"/>
+                        </a:cubicBezTo>
+                        <a:cubicBezTo>
+                          <a:pt x="402617" y="234802"/>
+                          <a:pt x="183592" y="239500"/>
+                          <a:pt x="41989" y="251926"/>
+                        </a:cubicBezTo>
+                        <a:cubicBezTo>
+                          <a:pt x="15499" y="248817"/>
+                          <a:pt x="-927" y="231742"/>
+                          <a:pt x="0" y="209937"/>
+                        </a:cubicBezTo>
+                        <a:cubicBezTo>
+                          <a:pt x="4231" y="170820"/>
+                          <a:pt x="-5212" y="84110"/>
+                          <a:pt x="0" y="41989"/>
+                        </a:cubicBezTo>
+                        <a:close/>
+                      </a:path>
+                    </a:pathLst>
+                  </a:custGeom>
+                  <ask:type>
+                    <ask:lineSketchNone/>
+                  </ask:type>
+                </ask:lineSketchStyleProps>
+              </a:ext>
+            </a:extLst>
+          </a:ln>
+        </p:spPr>
+        <p:style>
+          <a:lnRef idx="2">
+            <a:schemeClr val="accent1">
+              <a:shade val="50000"/>
+            </a:schemeClr>
+          </a:lnRef>
+          <a:fillRef idx="1">
+            <a:schemeClr val="accent1"/>
+          </a:fillRef>
+          <a:effectRef idx="0">
+            <a:schemeClr val="accent1"/>
+          </a:effectRef>
+          <a:fontRef idx="minor">
+            <a:schemeClr val="lt1"/>
+          </a:fontRef>
+        </p:style>
+        <p:txBody>
+          <a:bodyPr rtlCol="0" anchor="ctr"/>
+          <a:lstStyle/>
+          <a:p>
+            <a:pPr algn="ctr"/>
+            <a:endParaRPr lang="ko-KR" altLang="en-US"/>
+          </a:p>
+        </p:txBody>
+      </p:sp>
+    </p:spTree>
+    <p:extLst>
+      <p:ext uri="{BB962C8B-B14F-4D97-AF65-F5344CB8AC3E}">
+        <p14:creationId xmlns:p14="http://schemas.microsoft.com/office/powerpoint/2010/main" val="2326711660"/>
+      </p:ext>
+    </p:extLst>
+  </p:cSld>
+  <p:clrMapOvr>
+    <a:masterClrMapping/>
+  </p:clrMapOvr>
+</p:sld>
+</file>
+
+<file path=ppt/slides/slide8.xml><?xml version="1.0" encoding="utf-8"?>
+<p:sld xmlns:a="http://schemas.openxmlformats.org/drawingml/2006/main" xmlns:r="http://schemas.openxmlformats.org/officeDocument/2006/relationships" xmlns:p="http://schemas.openxmlformats.org/presentationml/2006/main">
+  <p:cSld>
+    <p:bg>
+      <p:bgPr>
+        <a:solidFill>
+          <a:srgbClr val="000A14"/>
+        </a:solidFill>
+        <a:effectLst/>
+      </p:bgPr>
+    </p:bg>
+    <p:spTree>
+      <p:nvGrpSpPr>
+        <p:cNvPr id="1" name=""/>
+        <p:cNvGrpSpPr/>
+        <p:nvPr/>
+      </p:nvGrpSpPr>
+      <p:grpSpPr>
+        <a:xfrm>
+          <a:off x="0" y="0"/>
+          <a:ext cx="0" cy="0"/>
+          <a:chOff x="0" y="0"/>
+          <a:chExt cx="0" cy="0"/>
+        </a:xfrm>
+      </p:grpSpPr>
+      <p:sp>
+        <p:nvSpPr>
+          <p:cNvPr id="10" name="TextBox 9">
+            <a:extLst>
+              <a:ext uri="{FF2B5EF4-FFF2-40B4-BE49-F238E27FC236}">
+                <a16:creationId xmlns:a16="http://schemas.microsoft.com/office/drawing/2014/main" id="{212F8489-ECDB-4F2E-A485-F13935DB872F}"/>
+              </a:ext>
+            </a:extLst>
+          </p:cNvPr>
+          <p:cNvSpPr txBox="1"/>
+          <p:nvPr/>
+        </p:nvSpPr>
+        <p:spPr>
+          <a:xfrm>
+            <a:off x="1231200" y="1970897"/>
+            <a:ext cx="8927169" cy="1977464"/>
+          </a:xfrm>
+          <a:prstGeom prst="rect">
+            <a:avLst/>
+          </a:prstGeom>
+          <a:noFill/>
+        </p:spPr>
+        <p:txBody>
+          <a:bodyPr wrap="square" rtlCol="0">
+            <a:spAutoFit/>
+          </a:bodyPr>
+          <a:lstStyle/>
+          <a:p>
+            <a:pPr>
+              <a:lnSpc>
+                <a:spcPct val="150000"/>
+              </a:lnSpc>
+              <a:buSzPct val="90000"/>
+            </a:pPr>
+            <a:r>
+              <a:rPr lang="en-US" altLang="ko-KR" sz="2800" dirty="0">
+                <a:solidFill>
+                  <a:schemeClr val="bg1"/>
+                </a:solidFill>
+                <a:latin typeface="서울한강체 L" panose="02020503020101020101" pitchFamily="18" charset="-127"/>
+                <a:ea typeface="서울한강체 L" panose="02020503020101020101" pitchFamily="18" charset="-127"/>
+              </a:rPr>
+              <a:t>3. </a:t>
+            </a:r>
+            <a:r>
+              <a:rPr lang="ko-KR" altLang="en-US" sz="2800" dirty="0">
+                <a:solidFill>
+                  <a:schemeClr val="bg1"/>
+                </a:solidFill>
+                <a:latin typeface="서울한강체 L" panose="02020503020101020101" pitchFamily="18" charset="-127"/>
+                <a:ea typeface="서울한강체 L" panose="02020503020101020101" pitchFamily="18" charset="-127"/>
+              </a:rPr>
+              <a:t>전적확인테스트</a:t>
+            </a:r>
+          </a:p>
+          <a:p>
+            <a:pPr>
+              <a:lnSpc>
+                <a:spcPct val="150000"/>
+              </a:lnSpc>
+              <a:buSzPct val="90000"/>
+            </a:pPr>
+            <a:endParaRPr lang="ko-KR" altLang="en-US" sz="2800" dirty="0">
+              <a:solidFill>
+                <a:schemeClr val="bg1"/>
+              </a:solidFill>
+              <a:latin typeface="서울한강체 L" panose="02020503020101020101" pitchFamily="18" charset="-127"/>
+              <a:ea typeface="서울한강체 L" panose="02020503020101020101" pitchFamily="18" charset="-127"/>
+            </a:endParaRPr>
+          </a:p>
+          <a:p>
+            <a:pPr>
+              <a:lnSpc>
+                <a:spcPct val="150000"/>
+              </a:lnSpc>
+              <a:buSzPct val="90000"/>
+            </a:pPr>
+            <a:r>
+              <a:rPr lang="en-US" altLang="ko-KR" sz="2800" dirty="0">
+                <a:solidFill>
+                  <a:schemeClr val="bg1"/>
+                </a:solidFill>
+                <a:latin typeface="서울한강체 L" panose="02020503020101020101" pitchFamily="18" charset="-127"/>
+                <a:ea typeface="서울한강체 L" panose="02020503020101020101" pitchFamily="18" charset="-127"/>
+              </a:rPr>
+              <a:t>4. Json</a:t>
+            </a:r>
+            <a:r>
+              <a:rPr lang="ko-KR" altLang="en-US" sz="2800" dirty="0">
+                <a:solidFill>
+                  <a:schemeClr val="bg1"/>
+                </a:solidFill>
+                <a:latin typeface="서울한강체 L" panose="02020503020101020101" pitchFamily="18" charset="-127"/>
+                <a:ea typeface="서울한강체 L" panose="02020503020101020101" pitchFamily="18" charset="-127"/>
+              </a:rPr>
+              <a:t>형태로 반환</a:t>
+            </a:r>
+          </a:p>
+        </p:txBody>
+      </p:sp>
+      <p:pic>
+        <p:nvPicPr>
+          <p:cNvPr id="15" name="그림 14">
+            <a:extLst>
+              <a:ext uri="{FF2B5EF4-FFF2-40B4-BE49-F238E27FC236}">
+                <a16:creationId xmlns:a16="http://schemas.microsoft.com/office/drawing/2014/main" id="{6B99C600-9B7E-42BE-AB46-E0F3A5E23B8C}"/>
+              </a:ext>
+            </a:extLst>
+          </p:cNvPr>
+          <p:cNvPicPr>
+            <a:picLocks noChangeAspect="1"/>
+          </p:cNvPicPr>
+          <p:nvPr/>
+        </p:nvPicPr>
+        <p:blipFill>
+          <a:blip r:embed="rId2"/>
+          <a:stretch>
+            <a:fillRect/>
+          </a:stretch>
+        </p:blipFill>
+        <p:spPr>
+          <a:xfrm>
+            <a:off x="1465580" y="3948361"/>
+            <a:ext cx="4054191" cy="2629128"/>
+          </a:xfrm>
+          <a:prstGeom prst="rect">
+            <a:avLst/>
+          </a:prstGeom>
+        </p:spPr>
+      </p:pic>
+      <p:pic>
+        <p:nvPicPr>
+          <p:cNvPr id="5" name="그림 4"/>
+          <p:cNvPicPr>
+            <a:picLocks noChangeAspect="1"/>
+          </p:cNvPicPr>
+          <p:nvPr/>
+        </p:nvPicPr>
+        <p:blipFill>
+          <a:blip r:embed="rId3"/>
+          <a:stretch>
+            <a:fillRect/>
+          </a:stretch>
+        </p:blipFill>
+        <p:spPr>
+          <a:xfrm>
+            <a:off x="0" y="0"/>
+            <a:ext cx="12192000" cy="1447800"/>
+          </a:xfrm>
+          <a:prstGeom prst="rect">
+            <a:avLst/>
+          </a:prstGeom>
+        </p:spPr>
+      </p:pic>
+      <p:sp>
+        <p:nvSpPr>
+          <p:cNvPr id="6" name="직사각형 5"/>
+          <p:cNvSpPr/>
+          <p:nvPr/>
+        </p:nvSpPr>
+        <p:spPr>
+          <a:xfrm>
+            <a:off x="10338318" y="307910"/>
+            <a:ext cx="1203649" cy="158621"/>
+          </a:xfrm>
+          <a:prstGeom prst="rect">
+            <a:avLst/>
+          </a:prstGeom>
+          <a:solidFill>
+            <a:srgbClr val="00101C"/>
+          </a:solidFill>
+          <a:ln>
+            <a:noFill/>
+          </a:ln>
+        </p:spPr>
+        <p:style>
+          <a:lnRef idx="2">
+            <a:schemeClr val="accent1">
+              <a:shade val="50000"/>
+            </a:schemeClr>
+          </a:lnRef>
+          <a:fillRef idx="1">
+            <a:schemeClr val="accent1"/>
+          </a:fillRef>
+          <a:effectRef idx="0">
+            <a:schemeClr val="accent1"/>
+          </a:effectRef>
+          <a:fontRef idx="minor">
+            <a:schemeClr val="lt1"/>
+          </a:fontRef>
+        </p:style>
+        <p:txBody>
+          <a:bodyPr rtlCol="0" anchor="ctr"/>
+          <a:lstStyle/>
+          <a:p>
+            <a:pPr algn="ctr"/>
+            <a:endParaRPr lang="ko-KR" altLang="en-US"/>
+          </a:p>
+        </p:txBody>
+      </p:sp>
+      <p:sp>
+        <p:nvSpPr>
+          <p:cNvPr id="7" name="TextBox 6">
+            <a:extLst>
+              <a:ext uri="{FF2B5EF4-FFF2-40B4-BE49-F238E27FC236}">
+                <a16:creationId xmlns:a16="http://schemas.microsoft.com/office/drawing/2014/main" id="{CB8A40D1-ABC6-44AD-85A9-12E6F572C597}"/>
+              </a:ext>
+            </a:extLst>
+          </p:cNvPr>
+          <p:cNvSpPr txBox="1"/>
+          <p:nvPr/>
+        </p:nvSpPr>
+        <p:spPr>
+          <a:xfrm>
+            <a:off x="1231200" y="820925"/>
+            <a:ext cx="3444878" cy="769441"/>
+          </a:xfrm>
+          <a:prstGeom prst="rect">
+            <a:avLst/>
+          </a:prstGeom>
+          <a:noFill/>
+        </p:spPr>
+        <p:txBody>
+          <a:bodyPr wrap="square" rtlCol="0">
+            <a:spAutoFit/>
+          </a:bodyPr>
+          <a:lstStyle/>
+          <a:p>
+            <a:pPr algn="ctr">
+              <a:lnSpc>
+                <a:spcPct val="150000"/>
+              </a:lnSpc>
+              <a:buSzPct val="90000"/>
+            </a:pPr>
+            <a:r>
+              <a:rPr lang="ko-KR" altLang="en-US" sz="3200" dirty="0">
+                <a:solidFill>
+                  <a:srgbClr val="ECE4C6"/>
+                </a:solidFill>
+                <a:latin typeface="서울한강체 L" panose="02020503020101020101" pitchFamily="18" charset="-127"/>
+                <a:ea typeface="서울한강체 L" panose="02020503020101020101" pitchFamily="18" charset="-127"/>
+              </a:rPr>
+              <a:t>프로젝트 진행 상황</a:t>
+            </a:r>
+            <a:endParaRPr lang="ko-KR" altLang="en-US" dirty="0">
+              <a:solidFill>
+                <a:schemeClr val="bg1"/>
+              </a:solidFill>
+              <a:latin typeface="서울한강체 L" panose="02020503020101020101" pitchFamily="18" charset="-127"/>
+              <a:ea typeface="서울한강체 L" panose="02020503020101020101" pitchFamily="18" charset="-127"/>
+            </a:endParaRPr>
+          </a:p>
+        </p:txBody>
+      </p:sp>
+      <p:pic>
+        <p:nvPicPr>
+          <p:cNvPr id="8" name="그림 7">
+            <a:extLst>
+              <a:ext uri="{FF2B5EF4-FFF2-40B4-BE49-F238E27FC236}">
+                <a16:creationId xmlns:a16="http://schemas.microsoft.com/office/drawing/2014/main" id="{346DA35D-CE06-499D-8CDD-9667D4EAC1D9}"/>
+              </a:ext>
+            </a:extLst>
+          </p:cNvPr>
+          <p:cNvPicPr>
+            <a:picLocks noChangeAspect="1"/>
           </p:cNvPicPr>
           <p:nvPr/>
         </p:nvPicPr>
         <p:blipFill>
           <a:blip r:embed="rId4">
             <a:extLst>
-              <a:ext uri="{28A0092B-C50C-407E-A947-70E740481C1C}">
-                <a14:useLocalDpi xmlns:a14="http://schemas.microsoft.com/office/drawing/2010/main" val="0"/>
+              <a:ext uri="{BEBA8EAE-BF5A-486C-A8C5-ECC9F3942E4B}">
+                <a14:imgProps xmlns:a14="http://schemas.microsoft.com/office/drawing/2010/main">
+                  <a14:imgLayer r:embed="rId5">
+                    <a14:imgEffect>
+                      <a14:backgroundRemoval t="10000" b="90000" l="10000" r="90000"/>
+                    </a14:imgEffect>
+                  </a14:imgLayer>
+                </a14:imgProps>
               </a:ext>
             </a:extLst>
           </a:blip>
-          <a:srcRect/>
           <a:stretch>
             <a:fillRect/>
           </a:stretch>
         </p:blipFill>
-        <p:spPr bwMode="auto">
-          <a:xfrm>
-            <a:off x="8726404" y="3713583"/>
-            <a:ext cx="1952625" cy="2286000"/>
+        <p:spPr>
+          <a:xfrm rot="3730821">
+            <a:off x="964800" y="1071551"/>
+            <a:ext cx="402689" cy="464641"/>
           </a:xfrm>
           <a:prstGeom prst="rect">
             <a:avLst/>
           </a:prstGeom>
-          <a:noFill/>
-          <a:extLst>
-            <a:ext uri="{909E8E84-426E-40DD-AFC4-6F175D3DCCD1}">
-              <a14:hiddenFill xmlns:a14="http://schemas.microsoft.com/office/drawing/2010/main">
-                <a:solidFill>
-                  <a:srgbClr val="FFFFFF"/>
-                </a:solidFill>
-              </a14:hiddenFill>
-            </a:ext>
-          </a:extLst>
         </p:spPr>
       </p:pic>
       <p:pic>
         <p:nvPicPr>
-          <p:cNvPr id="2056" name="Picture 8" descr="league of legends rank tier에 대한 이미지 검색결과">
+          <p:cNvPr id="13" name="그림 12">
             <a:extLst>
               <a:ext uri="{FF2B5EF4-FFF2-40B4-BE49-F238E27FC236}">
-                <a16:creationId xmlns:a16="http://schemas.microsoft.com/office/drawing/2014/main" id="{887F7D0C-C728-4EF5-A65C-7C0C493B1E14}"/>
+                <a16:creationId xmlns:a16="http://schemas.microsoft.com/office/drawing/2014/main" id="{4AC9E16E-F5CC-4876-9C2D-36DB9C88B1A1}"/>
               </a:ext>
             </a:extLst>
           </p:cNvPr>
           <p:cNvPicPr>
-            <a:picLocks noChangeAspect="1" noChangeArrowheads="1"/>
+            <a:picLocks noChangeAspect="1"/>
           </p:cNvPicPr>
           <p:nvPr/>
         </p:nvPicPr>
-        <p:blipFill rotWithShape="1">
-          <a:blip r:embed="rId5">
-            <a:extLst>
-              <a:ext uri="{28A0092B-C50C-407E-A947-70E740481C1C}">
-                <a14:useLocalDpi xmlns:a14="http://schemas.microsoft.com/office/drawing/2010/main" val="0"/>
-              </a:ext>
-            </a:extLst>
-          </a:blip>
-          <a:srcRect b="26595"/>
-          <a:stretch/>
+        <p:blipFill>
+          <a:blip r:embed="rId6"/>
+          <a:stretch>
+            <a:fillRect/>
+          </a:stretch>
         </p:blipFill>
-        <p:spPr bwMode="auto">
+        <p:spPr>
           <a:xfrm>
-            <a:off x="1035698" y="1636195"/>
-            <a:ext cx="10627568" cy="1349960"/>
+            <a:off x="1189807" y="2841509"/>
+            <a:ext cx="10722269" cy="236240"/>
           </a:xfrm>
           <a:prstGeom prst="rect">
             <a:avLst/>
           </a:prstGeom>
+        </p:spPr>
+      </p:pic>
+      <p:sp>
+        <p:nvSpPr>
+          <p:cNvPr id="4" name="사각형: 둥근 모서리 3">
+            <a:extLst>
+              <a:ext uri="{FF2B5EF4-FFF2-40B4-BE49-F238E27FC236}">
+                <a16:creationId xmlns:a16="http://schemas.microsoft.com/office/drawing/2014/main" id="{FFE4CB7C-1DA5-4A7F-AA0A-D18B843027C0}"/>
+              </a:ext>
+            </a:extLst>
+          </p:cNvPr>
+          <p:cNvSpPr/>
+          <p:nvPr/>
+        </p:nvSpPr>
+        <p:spPr>
+          <a:xfrm>
+            <a:off x="4987844" y="2799185"/>
+            <a:ext cx="3633642" cy="306557"/>
+          </a:xfrm>
+          <a:prstGeom prst="roundRect">
+            <a:avLst>
+              <a:gd name="adj" fmla="val 50000"/>
+            </a:avLst>
+          </a:prstGeom>
           <a:noFill/>
-          <a:extLst>
-            <a:ext uri="{909E8E84-426E-40DD-AFC4-6F175D3DCCD1}">
-              <a14:hiddenFill xmlns:a14="http://schemas.microsoft.com/office/drawing/2010/main">
-                <a:solidFill>
-                  <a:srgbClr val="FFFFFF"/>
-                </a:solidFill>
-              </a14:hiddenFill>
-            </a:ext>
-          </a:extLst>
-        </p:spPr>
-      </p:pic>
+          <a:ln w="25400">
+            <a:solidFill>
+              <a:srgbClr val="FF0000"/>
+            </a:solidFill>
+            <a:extLst>
+              <a:ext uri="{C807C97D-BFC1-408E-A445-0C87EB9F89A2}">
+                <ask:lineSketchStyleProps xmlns:ask="http://schemas.microsoft.com/office/drawing/2018/sketchyshapes" sd="1219033472">
+                  <a:custGeom>
+                    <a:avLst/>
+                    <a:gdLst>
+                      <a:gd name="connsiteX0" fmla="*/ 0 w 3200840"/>
+                      <a:gd name="connsiteY0" fmla="*/ 41989 h 251926"/>
+                      <a:gd name="connsiteX1" fmla="*/ 41989 w 3200840"/>
+                      <a:gd name="connsiteY1" fmla="*/ 0 h 251926"/>
+                      <a:gd name="connsiteX2" fmla="*/ 727699 w 3200840"/>
+                      <a:gd name="connsiteY2" fmla="*/ 0 h 251926"/>
+                      <a:gd name="connsiteX3" fmla="*/ 1319902 w 3200840"/>
+                      <a:gd name="connsiteY3" fmla="*/ 0 h 251926"/>
+                      <a:gd name="connsiteX4" fmla="*/ 1880938 w 3200840"/>
+                      <a:gd name="connsiteY4" fmla="*/ 0 h 251926"/>
+                      <a:gd name="connsiteX5" fmla="*/ 2535479 w 3200840"/>
+                      <a:gd name="connsiteY5" fmla="*/ 0 h 251926"/>
+                      <a:gd name="connsiteX6" fmla="*/ 3158851 w 3200840"/>
+                      <a:gd name="connsiteY6" fmla="*/ 0 h 251926"/>
+                      <a:gd name="connsiteX7" fmla="*/ 3200840 w 3200840"/>
+                      <a:gd name="connsiteY7" fmla="*/ 41989 h 251926"/>
+                      <a:gd name="connsiteX8" fmla="*/ 3200840 w 3200840"/>
+                      <a:gd name="connsiteY8" fmla="*/ 209937 h 251926"/>
+                      <a:gd name="connsiteX9" fmla="*/ 3158851 w 3200840"/>
+                      <a:gd name="connsiteY9" fmla="*/ 251926 h 251926"/>
+                      <a:gd name="connsiteX10" fmla="*/ 2535479 w 3200840"/>
+                      <a:gd name="connsiteY10" fmla="*/ 251926 h 251926"/>
+                      <a:gd name="connsiteX11" fmla="*/ 1943275 w 3200840"/>
+                      <a:gd name="connsiteY11" fmla="*/ 251926 h 251926"/>
+                      <a:gd name="connsiteX12" fmla="*/ 1257565 w 3200840"/>
+                      <a:gd name="connsiteY12" fmla="*/ 251926 h 251926"/>
+                      <a:gd name="connsiteX13" fmla="*/ 571856 w 3200840"/>
+                      <a:gd name="connsiteY13" fmla="*/ 251926 h 251926"/>
+                      <a:gd name="connsiteX14" fmla="*/ 41989 w 3200840"/>
+                      <a:gd name="connsiteY14" fmla="*/ 251926 h 251926"/>
+                      <a:gd name="connsiteX15" fmla="*/ 0 w 3200840"/>
+                      <a:gd name="connsiteY15" fmla="*/ 209937 h 251926"/>
+                      <a:gd name="connsiteX16" fmla="*/ 0 w 3200840"/>
+                      <a:gd name="connsiteY16" fmla="*/ 41989 h 251926"/>
+                    </a:gdLst>
+                    <a:ahLst/>
+                    <a:cxnLst>
+                      <a:cxn ang="0">
+                        <a:pos x="connsiteX0" y="connsiteY0"/>
+                      </a:cxn>
+                      <a:cxn ang="0">
+                        <a:pos x="connsiteX1" y="connsiteY1"/>
+                      </a:cxn>
+                      <a:cxn ang="0">
+                        <a:pos x="connsiteX2" y="connsiteY2"/>
+                      </a:cxn>
+                      <a:cxn ang="0">
+                        <a:pos x="connsiteX3" y="connsiteY3"/>
+                      </a:cxn>
+                      <a:cxn ang="0">
+                        <a:pos x="connsiteX4" y="connsiteY4"/>
+                      </a:cxn>
+                      <a:cxn ang="0">
+                        <a:pos x="connsiteX5" y="connsiteY5"/>
+                      </a:cxn>
+                      <a:cxn ang="0">
+                        <a:pos x="connsiteX6" y="connsiteY6"/>
+                      </a:cxn>
+                      <a:cxn ang="0">
+                        <a:pos x="connsiteX7" y="connsiteY7"/>
+                      </a:cxn>
+                      <a:cxn ang="0">
+                        <a:pos x="connsiteX8" y="connsiteY8"/>
+                      </a:cxn>
+                      <a:cxn ang="0">
+                        <a:pos x="connsiteX9" y="connsiteY9"/>
+                      </a:cxn>
+                      <a:cxn ang="0">
+                        <a:pos x="connsiteX10" y="connsiteY10"/>
+                      </a:cxn>
+                      <a:cxn ang="0">
+                        <a:pos x="connsiteX11" y="connsiteY11"/>
+                      </a:cxn>
+                      <a:cxn ang="0">
+                        <a:pos x="connsiteX12" y="connsiteY12"/>
+                      </a:cxn>
+                      <a:cxn ang="0">
+                        <a:pos x="connsiteX13" y="connsiteY13"/>
+                      </a:cxn>
+                      <a:cxn ang="0">
+                        <a:pos x="connsiteX14" y="connsiteY14"/>
+                      </a:cxn>
+                      <a:cxn ang="0">
+                        <a:pos x="connsiteX15" y="connsiteY15"/>
+                      </a:cxn>
+                      <a:cxn ang="0">
+                        <a:pos x="connsiteX16" y="connsiteY16"/>
+                      </a:cxn>
+                    </a:cxnLst>
+                    <a:rect l="l" t="t" r="r" b="b"/>
+                    <a:pathLst>
+                      <a:path w="3200840" h="251926" extrusionOk="0">
+                        <a:moveTo>
+                          <a:pt x="0" y="41989"/>
+                        </a:moveTo>
+                        <a:cubicBezTo>
+                          <a:pt x="-1355" y="17963"/>
+                          <a:pt x="15946" y="1071"/>
+                          <a:pt x="41989" y="0"/>
+                        </a:cubicBezTo>
+                        <a:cubicBezTo>
+                          <a:pt x="319885" y="3549"/>
+                          <a:pt x="533929" y="17407"/>
+                          <a:pt x="727699" y="0"/>
+                        </a:cubicBezTo>
+                        <a:cubicBezTo>
+                          <a:pt x="921469" y="-17407"/>
+                          <a:pt x="1042974" y="5865"/>
+                          <a:pt x="1319902" y="0"/>
+                        </a:cubicBezTo>
+                        <a:cubicBezTo>
+                          <a:pt x="1596830" y="-5865"/>
+                          <a:pt x="1686590" y="-10737"/>
+                          <a:pt x="1880938" y="0"/>
+                        </a:cubicBezTo>
+                        <a:cubicBezTo>
+                          <a:pt x="2075286" y="10737"/>
+                          <a:pt x="2306105" y="-30251"/>
+                          <a:pt x="2535479" y="0"/>
+                        </a:cubicBezTo>
+                        <a:cubicBezTo>
+                          <a:pt x="2764853" y="30251"/>
+                          <a:pt x="2907116" y="26294"/>
+                          <a:pt x="3158851" y="0"/>
+                        </a:cubicBezTo>
+                        <a:cubicBezTo>
+                          <a:pt x="3184579" y="-4130"/>
+                          <a:pt x="3196978" y="22193"/>
+                          <a:pt x="3200840" y="41989"/>
+                        </a:cubicBezTo>
+                        <a:cubicBezTo>
+                          <a:pt x="3200376" y="120939"/>
+                          <a:pt x="3192958" y="146740"/>
+                          <a:pt x="3200840" y="209937"/>
+                        </a:cubicBezTo>
+                        <a:cubicBezTo>
+                          <a:pt x="3204112" y="233914"/>
+                          <a:pt x="3181254" y="251799"/>
+                          <a:pt x="3158851" y="251926"/>
+                        </a:cubicBezTo>
+                        <a:cubicBezTo>
+                          <a:pt x="3016708" y="237962"/>
+                          <a:pt x="2822187" y="246789"/>
+                          <a:pt x="2535479" y="251926"/>
+                        </a:cubicBezTo>
+                        <a:cubicBezTo>
+                          <a:pt x="2248771" y="257063"/>
+                          <a:pt x="2216843" y="270379"/>
+                          <a:pt x="1943275" y="251926"/>
+                        </a:cubicBezTo>
+                        <a:cubicBezTo>
+                          <a:pt x="1669707" y="233473"/>
+                          <a:pt x="1451913" y="276547"/>
+                          <a:pt x="1257565" y="251926"/>
+                        </a:cubicBezTo>
+                        <a:cubicBezTo>
+                          <a:pt x="1063217" y="227306"/>
+                          <a:pt x="741095" y="269050"/>
+                          <a:pt x="571856" y="251926"/>
+                        </a:cubicBezTo>
+                        <a:cubicBezTo>
+                          <a:pt x="402617" y="234802"/>
+                          <a:pt x="183592" y="239500"/>
+                          <a:pt x="41989" y="251926"/>
+                        </a:cubicBezTo>
+                        <a:cubicBezTo>
+                          <a:pt x="15499" y="248817"/>
+                          <a:pt x="-927" y="231742"/>
+                          <a:pt x="0" y="209937"/>
+                        </a:cubicBezTo>
+                        <a:cubicBezTo>
+                          <a:pt x="4231" y="170820"/>
+                          <a:pt x="-5212" y="84110"/>
+                          <a:pt x="0" y="41989"/>
+                        </a:cubicBezTo>
+                        <a:close/>
+                      </a:path>
+                    </a:pathLst>
+                  </a:custGeom>
+                  <ask:type>
+                    <ask:lineSketchNone/>
+                  </ask:type>
+                </ask:lineSketchStyleProps>
+              </a:ext>
+            </a:extLst>
+          </a:ln>
+        </p:spPr>
+        <p:style>
+          <a:lnRef idx="2">
+            <a:schemeClr val="accent1">
+              <a:shade val="50000"/>
+            </a:schemeClr>
+          </a:lnRef>
+          <a:fillRef idx="1">
+            <a:schemeClr val="accent1"/>
+          </a:fillRef>
+          <a:effectRef idx="0">
+            <a:schemeClr val="accent1"/>
+          </a:effectRef>
+          <a:fontRef idx="minor">
+            <a:schemeClr val="lt1"/>
+          </a:fontRef>
+        </p:style>
+        <p:txBody>
+          <a:bodyPr rtlCol="0" anchor="ctr"/>
+          <a:lstStyle/>
+          <a:p>
+            <a:pPr algn="ctr"/>
+            <a:endParaRPr lang="ko-KR" altLang="en-US"/>
+          </a:p>
+        </p:txBody>
+      </p:sp>
+    </p:spTree>
+    <p:extLst>
+      <p:ext uri="{BB962C8B-B14F-4D97-AF65-F5344CB8AC3E}">
+        <p14:creationId xmlns:p14="http://schemas.microsoft.com/office/powerpoint/2010/main" val="173703711"/>
+      </p:ext>
+    </p:extLst>
+  </p:cSld>
+  <p:clrMapOvr>
+    <a:masterClrMapping/>
+  </p:clrMapOvr>
+</p:sld>
+</file>
+
+<file path=ppt/slides/slide9.xml><?xml version="1.0" encoding="utf-8"?>
+<p:sld xmlns:a="http://schemas.openxmlformats.org/drawingml/2006/main" xmlns:r="http://schemas.openxmlformats.org/officeDocument/2006/relationships" xmlns:p="http://schemas.openxmlformats.org/presentationml/2006/main">
+  <p:cSld>
+    <p:bg>
+      <p:bgPr>
+        <a:solidFill>
+          <a:srgbClr val="000A14"/>
+        </a:solidFill>
+        <a:effectLst/>
+      </p:bgPr>
+    </p:bg>
+    <p:spTree>
+      <p:nvGrpSpPr>
+        <p:cNvPr id="1" name=""/>
+        <p:cNvGrpSpPr/>
+        <p:nvPr/>
+      </p:nvGrpSpPr>
+      <p:grpSpPr>
+        <a:xfrm>
+          <a:off x="0" y="0"/>
+          <a:ext cx="0" cy="0"/>
+          <a:chOff x="0" y="0"/>
+          <a:chExt cx="0" cy="0"/>
+        </a:xfrm>
+      </p:grpSpPr>
       <p:pic>
         <p:nvPicPr>
-          <p:cNvPr id="2060" name="Picture 12" descr="league of legends png에 대한 이미지 검색결과">
+          <p:cNvPr id="4" name="그림 3">
             <a:extLst>
               <a:ext uri="{FF2B5EF4-FFF2-40B4-BE49-F238E27FC236}">
-                <a16:creationId xmlns:a16="http://schemas.microsoft.com/office/drawing/2014/main" id="{54C86F59-FB96-494D-9D60-DCCB904890E4}"/>
+                <a16:creationId xmlns:a16="http://schemas.microsoft.com/office/drawing/2014/main" id="{3E12020D-DBBB-4A38-B4BE-03360892F29F}"/>
               </a:ext>
             </a:extLst>
           </p:cNvPr>
           <p:cNvPicPr>
-            <a:picLocks noChangeAspect="1" noChangeArrowheads="1"/>
+            <a:picLocks noChangeAspect="1"/>
           </p:cNvPicPr>
           <p:nvPr/>
         </p:nvPicPr>
         <p:blipFill>
-          <a:blip r:embed="rId6">
-            <a:extLst>
-              <a:ext uri="{28A0092B-C50C-407E-A947-70E740481C1C}">
-                <a14:useLocalDpi xmlns:a14="http://schemas.microsoft.com/office/drawing/2010/main" val="0"/>
-              </a:ext>
-            </a:extLst>
-          </a:blip>
-          <a:srcRect/>
+          <a:blip r:embed="rId2"/>
           <a:stretch>
             <a:fillRect/>
           </a:stretch>
         </p:blipFill>
-        <p:spPr bwMode="auto">
+        <p:spPr>
           <a:xfrm>
-            <a:off x="-199586" y="2757182"/>
-            <a:ext cx="3810000" cy="3810000"/>
+            <a:off x="0" y="840843"/>
+            <a:ext cx="12192000" cy="4871514"/>
           </a:xfrm>
           <a:prstGeom prst="rect">
             <a:avLst/>
           </a:prstGeom>
-          <a:noFill/>
-          <a:extLst>
-            <a:ext uri="{909E8E84-426E-40DD-AFC4-6F175D3DCCD1}">
-              <a14:hiddenFill xmlns:a14="http://schemas.microsoft.com/office/drawing/2010/main">
-                <a:solidFill>
-                  <a:srgbClr val="FFFFFF"/>
-                </a:solidFill>
-              </a14:hiddenFill>
-            </a:ext>
-          </a:extLst>
         </p:spPr>
       </p:pic>
     </p:spTree>
